--- a/01_요구사항 실습/SW 요구사항 분석 및 설계_실습_5조.pptx
+++ b/01_요구사항 실습/SW 요구사항 분석 및 설계_실습_5조.pptx
@@ -5,10 +5,10 @@
     <p:sldMasterId id="2147483719" r:id="rId1"/>
   </p:sldMasterIdLst>
   <p:notesMasterIdLst>
-    <p:notesMasterId r:id="rId12"/>
+    <p:notesMasterId r:id="rId13"/>
   </p:notesMasterIdLst>
   <p:handoutMasterIdLst>
-    <p:handoutMasterId r:id="rId13"/>
+    <p:handoutMasterId r:id="rId14"/>
   </p:handoutMasterIdLst>
   <p:sldIdLst>
     <p:sldId id="2076136653" r:id="rId2"/>
@@ -16,11 +16,12 @@
     <p:sldId id="2076136660" r:id="rId4"/>
     <p:sldId id="507" r:id="rId5"/>
     <p:sldId id="2076136654" r:id="rId6"/>
-    <p:sldId id="2076136655" r:id="rId7"/>
-    <p:sldId id="2076136656" r:id="rId8"/>
-    <p:sldId id="2076136657" r:id="rId9"/>
-    <p:sldId id="2076136658" r:id="rId10"/>
-    <p:sldId id="2076136659" r:id="rId11"/>
+    <p:sldId id="2076136661" r:id="rId7"/>
+    <p:sldId id="2076136655" r:id="rId8"/>
+    <p:sldId id="2076136656" r:id="rId9"/>
+    <p:sldId id="2076136657" r:id="rId10"/>
+    <p:sldId id="2076136658" r:id="rId11"/>
+    <p:sldId id="2076136659" r:id="rId12"/>
   </p:sldIdLst>
   <p:sldSz cx="12192000" cy="6858000"/>
   <p:notesSz cx="6797675" cy="9926638"/>
@@ -15182,6 +15183,93 @@
 </file>
 
 <file path=ppt/slides/slide10.xml><?xml version="1.0" encoding="utf-8"?>
+<p:sld xmlns:a="http://schemas.openxmlformats.org/drawingml/2006/main" xmlns:r="http://schemas.openxmlformats.org/officeDocument/2006/relationships" xmlns:p="http://schemas.openxmlformats.org/presentationml/2006/main">
+  <p:cSld>
+    <p:spTree>
+      <p:nvGrpSpPr>
+        <p:cNvPr id="1" name=""/>
+        <p:cNvGrpSpPr/>
+        <p:nvPr/>
+      </p:nvGrpSpPr>
+      <p:grpSpPr>
+        <a:xfrm>
+          <a:off x="0" y="0"/>
+          <a:ext cx="0" cy="0"/>
+          <a:chOff x="0" y="0"/>
+          <a:chExt cx="0" cy="0"/>
+        </a:xfrm>
+      </p:grpSpPr>
+      <p:sp>
+        <p:nvSpPr>
+          <p:cNvPr id="2" name="제목 1">
+            <a:extLst>
+              <a:ext uri="{FF2B5EF4-FFF2-40B4-BE49-F238E27FC236}">
+                <a16:creationId xmlns:a16="http://schemas.microsoft.com/office/drawing/2014/main" id="{89468A2C-6A19-C11C-81E6-EA7C9F5E0681}"/>
+              </a:ext>
+            </a:extLst>
+          </p:cNvPr>
+          <p:cNvSpPr>
+            <a:spLocks noGrp="1"/>
+          </p:cNvSpPr>
+          <p:nvPr>
+            <p:ph type="title"/>
+          </p:nvPr>
+        </p:nvSpPr>
+        <p:spPr/>
+        <p:txBody>
+          <a:bodyPr/>
+          <a:lstStyle/>
+          <a:p>
+            <a:r>
+              <a:rPr lang="en-US" altLang="ko-KR" dirty="0"/>
+              <a:t>6. </a:t>
+            </a:r>
+            <a:r>
+              <a:rPr lang="ko-KR" altLang="en-US" dirty="0"/>
+              <a:t>요구사항 검토 체크리스트</a:t>
+            </a:r>
+          </a:p>
+        </p:txBody>
+      </p:sp>
+      <p:sp>
+        <p:nvSpPr>
+          <p:cNvPr id="3" name="텍스트 개체 틀 2">
+            <a:extLst>
+              <a:ext uri="{FF2B5EF4-FFF2-40B4-BE49-F238E27FC236}">
+                <a16:creationId xmlns:a16="http://schemas.microsoft.com/office/drawing/2014/main" id="{6B27578D-77DB-BD75-A1D0-F41CACC63750}"/>
+              </a:ext>
+            </a:extLst>
+          </p:cNvPr>
+          <p:cNvSpPr>
+            <a:spLocks noGrp="1"/>
+          </p:cNvSpPr>
+          <p:nvPr>
+            <p:ph type="body" sz="quarter" idx="10"/>
+          </p:nvPr>
+        </p:nvSpPr>
+        <p:spPr/>
+        <p:txBody>
+          <a:bodyPr/>
+          <a:lstStyle/>
+          <a:p>
+            <a:endParaRPr lang="ko-KR" altLang="en-US"/>
+          </a:p>
+        </p:txBody>
+      </p:sp>
+    </p:spTree>
+    <p:extLst>
+      <p:ext uri="{BB962C8B-B14F-4D97-AF65-F5344CB8AC3E}">
+        <p14:creationId xmlns:p14="http://schemas.microsoft.com/office/powerpoint/2010/main" val="836117145"/>
+      </p:ext>
+    </p:extLst>
+  </p:cSld>
+  <p:clrMapOvr>
+    <a:masterClrMapping/>
+  </p:clrMapOvr>
+</p:sld>
+</file>
+
+<file path=ppt/slides/slide11.xml><?xml version="1.0" encoding="utf-8"?>
 <p:sld xmlns:a="http://schemas.openxmlformats.org/drawingml/2006/main" xmlns:r="http://schemas.openxmlformats.org/officeDocument/2006/relationships" xmlns:p="http://schemas.openxmlformats.org/presentationml/2006/main">
   <p:cSld>
     <p:spTree>
@@ -20869,6 +20957,591 @@
   <p:cSld>
     <p:spTree>
       <p:nvGrpSpPr>
+        <p:cNvPr id="1" name="">
+          <a:extLst>
+            <a:ext uri="{FF2B5EF4-FFF2-40B4-BE49-F238E27FC236}">
+              <a16:creationId xmlns:a16="http://schemas.microsoft.com/office/drawing/2014/main" id="{EDDAE16C-2919-6830-EE77-E1B04D4113DE}"/>
+            </a:ext>
+          </a:extLst>
+        </p:cNvPr>
+        <p:cNvGrpSpPr/>
+        <p:nvPr/>
+      </p:nvGrpSpPr>
+      <p:grpSpPr>
+        <a:xfrm>
+          <a:off x="0" y="0"/>
+          <a:ext cx="0" cy="0"/>
+          <a:chOff x="0" y="0"/>
+          <a:chExt cx="0" cy="0"/>
+        </a:xfrm>
+      </p:grpSpPr>
+      <p:sp>
+        <p:nvSpPr>
+          <p:cNvPr id="2" name="제목 1">
+            <a:extLst>
+              <a:ext uri="{FF2B5EF4-FFF2-40B4-BE49-F238E27FC236}">
+                <a16:creationId xmlns:a16="http://schemas.microsoft.com/office/drawing/2014/main" id="{8E74477F-A0C8-7F8D-86F8-7A8C8CC72601}"/>
+              </a:ext>
+            </a:extLst>
+          </p:cNvPr>
+          <p:cNvSpPr>
+            <a:spLocks noGrp="1"/>
+          </p:cNvSpPr>
+          <p:nvPr>
+            <p:ph type="title"/>
+          </p:nvPr>
+        </p:nvSpPr>
+        <p:spPr/>
+        <p:txBody>
+          <a:bodyPr/>
+          <a:lstStyle/>
+          <a:p>
+            <a:r>
+              <a:rPr lang="en-US" altLang="ko-KR" dirty="0"/>
+              <a:t>4. </a:t>
+            </a:r>
+            <a:r>
+              <a:rPr lang="ko-KR" altLang="en-US" dirty="0"/>
+              <a:t>기능</a:t>
+            </a:r>
+            <a:r>
+              <a:rPr lang="en-US" altLang="ko-KR" dirty="0"/>
+              <a:t> </a:t>
+            </a:r>
+            <a:r>
+              <a:rPr lang="ko-KR" altLang="en-US" dirty="0"/>
+              <a:t>요구사항 명세 </a:t>
+            </a:r>
+            <a:r>
+              <a:rPr lang="en-US" altLang="ko-KR" dirty="0"/>
+              <a:t>: </a:t>
+            </a:r>
+            <a:r>
+              <a:rPr lang="en-US" altLang="ko-KR" dirty="0" err="1"/>
+              <a:t>Usecase</a:t>
+            </a:r>
+            <a:r>
+              <a:rPr lang="en-US" altLang="ko-KR" dirty="0"/>
+              <a:t> Diagram</a:t>
+            </a:r>
+            <a:endParaRPr lang="ko-KR" altLang="en-US" dirty="0"/>
+          </a:p>
+        </p:txBody>
+      </p:sp>
+      <p:sp>
+        <p:nvSpPr>
+          <p:cNvPr id="6" name="TextBox 5">
+            <a:extLst>
+              <a:ext uri="{FF2B5EF4-FFF2-40B4-BE49-F238E27FC236}">
+                <a16:creationId xmlns:a16="http://schemas.microsoft.com/office/drawing/2014/main" id="{3AEB3402-AB2D-2922-B95E-430040CB5B10}"/>
+              </a:ext>
+            </a:extLst>
+          </p:cNvPr>
+          <p:cNvSpPr txBox="1"/>
+          <p:nvPr/>
+        </p:nvSpPr>
+        <p:spPr>
+          <a:xfrm>
+            <a:off x="256719" y="1449034"/>
+            <a:ext cx="11400878" cy="5170646"/>
+          </a:xfrm>
+          <a:prstGeom prst="rect">
+            <a:avLst/>
+          </a:prstGeom>
+          <a:noFill/>
+        </p:spPr>
+        <p:txBody>
+          <a:bodyPr wrap="none" rtlCol="0">
+            <a:spAutoFit/>
+          </a:bodyPr>
+          <a:lstStyle/>
+          <a:p>
+            <a:r>
+              <a:rPr lang="en-US" altLang="ko-KR" sz="2400" b="1" dirty="0">
+                <a:latin typeface="+mn-ea"/>
+              </a:rPr>
+              <a:t>-</a:t>
+            </a:r>
+            <a:r>
+              <a:rPr lang="ko-KR" altLang="en-US" sz="2400" b="1" dirty="0">
+                <a:latin typeface="+mn-ea"/>
+              </a:rPr>
+              <a:t> 이해 관계자 요구 사항</a:t>
+            </a:r>
+            <a:endParaRPr lang="en-US" altLang="ko-KR" sz="2400" b="1" dirty="0">
+              <a:latin typeface="+mn-ea"/>
+            </a:endParaRPr>
+          </a:p>
+          <a:p>
+            <a:r>
+              <a:rPr lang="ko-KR" altLang="en-US" sz="2400" b="1" dirty="0">
+                <a:latin typeface="+mn-ea"/>
+              </a:rPr>
+              <a:t>  </a:t>
+            </a:r>
+            <a:r>
+              <a:rPr lang="ko-KR" altLang="en-US" sz="2400" dirty="0" err="1">
+                <a:latin typeface="+mn-ea"/>
+              </a:rPr>
+              <a:t>뒷자석</a:t>
+            </a:r>
+            <a:r>
+              <a:rPr lang="ko-KR" altLang="en-US" sz="2400" dirty="0">
+                <a:latin typeface="+mn-ea"/>
+              </a:rPr>
+              <a:t> </a:t>
+            </a:r>
+            <a:r>
+              <a:rPr lang="ko-KR" altLang="en-US" sz="2400" dirty="0" err="1">
+                <a:latin typeface="+mn-ea"/>
+              </a:rPr>
+              <a:t>도어락</a:t>
+            </a:r>
+            <a:r>
+              <a:rPr lang="ko-KR" altLang="en-US" sz="2400" dirty="0">
+                <a:latin typeface="+mn-ea"/>
+              </a:rPr>
+              <a:t> 개문</a:t>
+            </a:r>
+            <a:r>
+              <a:rPr lang="ko-KR" altLang="en-US" sz="2400" b="1" dirty="0">
+                <a:latin typeface="+mn-ea"/>
+              </a:rPr>
+              <a:t> </a:t>
+            </a:r>
+            <a:r>
+              <a:rPr lang="ko-KR" altLang="en-US" sz="2400" dirty="0">
+                <a:latin typeface="+mn-ea"/>
+              </a:rPr>
+              <a:t>사고 방지 시스템</a:t>
+            </a:r>
+            <a:endParaRPr lang="en-US" altLang="ko-KR" sz="2400" dirty="0">
+              <a:latin typeface="+mn-ea"/>
+            </a:endParaRPr>
+          </a:p>
+          <a:p>
+            <a:endParaRPr lang="en-US" sz="2400" b="1" dirty="0">
+              <a:latin typeface="+mn-ea"/>
+            </a:endParaRPr>
+          </a:p>
+          <a:p>
+            <a:r>
+              <a:rPr lang="en-US" altLang="ko-KR" sz="2400" b="1" dirty="0">
+                <a:latin typeface="+mn-ea"/>
+              </a:rPr>
+              <a:t>-</a:t>
+            </a:r>
+            <a:r>
+              <a:rPr lang="ko-KR" altLang="en-US" sz="2400" b="1" dirty="0">
+                <a:latin typeface="+mn-ea"/>
+              </a:rPr>
+              <a:t> 시스템 요구사항 </a:t>
+            </a:r>
+            <a:r>
+              <a:rPr lang="en-US" altLang="ko-KR" sz="2400" b="1" dirty="0">
+                <a:latin typeface="+mn-ea"/>
+              </a:rPr>
+              <a:t>:</a:t>
+            </a:r>
+            <a:r>
+              <a:rPr lang="ko-KR" altLang="en-US" sz="2400" b="1" dirty="0">
+                <a:latin typeface="+mn-ea"/>
+              </a:rPr>
+              <a:t> </a:t>
+            </a:r>
+            <a:r>
+              <a:rPr lang="ko-KR" altLang="en-US" sz="2400" dirty="0">
+                <a:latin typeface="+mn-ea"/>
+              </a:rPr>
+              <a:t>전자 </a:t>
+            </a:r>
+            <a:r>
+              <a:rPr lang="ko-KR" altLang="en-US" sz="2400" dirty="0" err="1">
+                <a:latin typeface="+mn-ea"/>
+              </a:rPr>
+              <a:t>차일드</a:t>
+            </a:r>
+            <a:r>
+              <a:rPr lang="ko-KR" altLang="en-US" sz="2400" dirty="0">
+                <a:latin typeface="+mn-ea"/>
+              </a:rPr>
+              <a:t> </a:t>
+            </a:r>
+            <a:r>
+              <a:rPr lang="ko-KR" altLang="en-US" sz="2400" dirty="0" err="1">
+                <a:latin typeface="+mn-ea"/>
+              </a:rPr>
+              <a:t>락</a:t>
+            </a:r>
+            <a:r>
+              <a:rPr lang="ko-KR" altLang="en-US" sz="2400" dirty="0">
+                <a:latin typeface="+mn-ea"/>
+              </a:rPr>
+              <a:t> 시스템 </a:t>
+            </a:r>
+            <a:r>
+              <a:rPr lang="en-US" altLang="ko-KR" sz="2400" dirty="0">
+                <a:latin typeface="+mn-ea"/>
+              </a:rPr>
+              <a:t>–</a:t>
+            </a:r>
+            <a:r>
+              <a:rPr lang="ko-KR" altLang="en-US" sz="2400" dirty="0">
+                <a:latin typeface="+mn-ea"/>
+              </a:rPr>
+              <a:t> 주행 중 어린이가 차량 내부에서 도어를 </a:t>
+            </a:r>
+            <a:endParaRPr lang="en-US" altLang="ko-KR" sz="2400" dirty="0">
+              <a:latin typeface="+mn-ea"/>
+            </a:endParaRPr>
+          </a:p>
+          <a:p>
+            <a:r>
+              <a:rPr lang="ko-KR" altLang="en-US" sz="2400" dirty="0">
+                <a:latin typeface="+mn-ea"/>
+              </a:rPr>
+              <a:t>여는  것을 방지하기 위해 운전자가 수동으로 시스템을 작동시킨다</a:t>
+            </a:r>
+            <a:r>
+              <a:rPr lang="en-US" altLang="ko-KR" sz="2400" dirty="0">
+                <a:latin typeface="+mn-ea"/>
+              </a:rPr>
+              <a:t>.</a:t>
+            </a:r>
+          </a:p>
+          <a:p>
+            <a:endParaRPr lang="en-US" sz="2400" b="1" dirty="0">
+              <a:latin typeface="+mn-ea"/>
+            </a:endParaRPr>
+          </a:p>
+          <a:p>
+            <a:r>
+              <a:rPr lang="en-US" altLang="ko-KR" sz="2400" b="1" dirty="0">
+                <a:latin typeface="+mn-ea"/>
+              </a:rPr>
+              <a:t>-</a:t>
+            </a:r>
+            <a:r>
+              <a:rPr lang="ko-KR" altLang="en-US" sz="2400" b="1" dirty="0">
+                <a:latin typeface="+mn-ea"/>
+              </a:rPr>
+              <a:t> </a:t>
+            </a:r>
+            <a:r>
+              <a:rPr lang="ko-KR" altLang="en-US" sz="2400" b="1" dirty="0" err="1">
+                <a:latin typeface="+mn-ea"/>
+              </a:rPr>
+              <a:t>차일드</a:t>
+            </a:r>
+            <a:r>
+              <a:rPr lang="ko-KR" altLang="en-US" sz="2400" b="1" dirty="0">
+                <a:latin typeface="+mn-ea"/>
+              </a:rPr>
+              <a:t> </a:t>
+            </a:r>
+            <a:r>
+              <a:rPr lang="ko-KR" altLang="en-US" sz="2400" b="1" dirty="0" err="1">
+                <a:latin typeface="+mn-ea"/>
+              </a:rPr>
+              <a:t>락은</a:t>
+            </a:r>
+            <a:r>
+              <a:rPr lang="ko-KR" altLang="en-US" sz="2400" b="1" dirty="0">
+                <a:latin typeface="+mn-ea"/>
+              </a:rPr>
+              <a:t> 자동으로 작동하지 않음</a:t>
+            </a:r>
+            <a:endParaRPr lang="en-US" altLang="ko-KR" sz="2400" b="1" dirty="0">
+              <a:latin typeface="+mn-ea"/>
+            </a:endParaRPr>
+          </a:p>
+          <a:p>
+            <a:r>
+              <a:rPr lang="ko-KR" altLang="en-US" sz="2400" b="1" dirty="0">
+                <a:latin typeface="+mn-ea"/>
+              </a:rPr>
+              <a:t>  </a:t>
+            </a:r>
+            <a:r>
+              <a:rPr lang="ko-KR" altLang="en-US" sz="2400" dirty="0">
+                <a:latin typeface="+mn-ea"/>
+              </a:rPr>
+              <a:t>운전자가 판단 후 수동으로 작동시켜야 함</a:t>
+            </a:r>
+            <a:endParaRPr lang="en-US" altLang="ko-KR" sz="2400" dirty="0">
+              <a:latin typeface="+mn-ea"/>
+            </a:endParaRPr>
+          </a:p>
+          <a:p>
+            <a:endParaRPr lang="en-US" altLang="ko-KR" sz="2400" dirty="0">
+              <a:latin typeface="+mn-ea"/>
+            </a:endParaRPr>
+          </a:p>
+          <a:p>
+            <a:r>
+              <a:rPr lang="en-US" altLang="ko-KR" b="1" dirty="0">
+                <a:latin typeface="+mn-ea"/>
+              </a:rPr>
+              <a:t>1. </a:t>
+            </a:r>
+            <a:r>
+              <a:rPr lang="ko-KR" altLang="en-US" b="1" dirty="0" err="1">
+                <a:latin typeface="+mn-ea"/>
+              </a:rPr>
+              <a:t>차일드</a:t>
+            </a:r>
+            <a:r>
+              <a:rPr lang="ko-KR" altLang="en-US" b="1" dirty="0">
+                <a:latin typeface="+mn-ea"/>
+              </a:rPr>
+              <a:t> </a:t>
+            </a:r>
+            <a:r>
+              <a:rPr lang="ko-KR" altLang="en-US" b="1" dirty="0" err="1">
+                <a:latin typeface="+mn-ea"/>
+              </a:rPr>
+              <a:t>락</a:t>
+            </a:r>
+            <a:r>
+              <a:rPr lang="en-US" altLang="ko-KR" b="1" dirty="0">
+                <a:latin typeface="+mn-ea"/>
+              </a:rPr>
+              <a:t> – on</a:t>
+            </a:r>
+          </a:p>
+          <a:p>
+            <a:r>
+              <a:rPr lang="ko-KR" altLang="en-US" b="1" dirty="0">
+                <a:latin typeface="+mn-ea"/>
+              </a:rPr>
+              <a:t> </a:t>
+            </a:r>
+            <a:r>
+              <a:rPr lang="ko-KR" altLang="en-US" dirty="0">
+                <a:latin typeface="+mn-ea"/>
+              </a:rPr>
+              <a:t>동승자가 문을 열라고 시도 </a:t>
+            </a:r>
+            <a:r>
+              <a:rPr lang="en-US" altLang="ko-KR" dirty="0">
+                <a:latin typeface="+mn-ea"/>
+              </a:rPr>
+              <a:t>-&gt;</a:t>
+            </a:r>
+            <a:r>
+              <a:rPr lang="ko-KR" altLang="en-US" dirty="0">
+                <a:latin typeface="+mn-ea"/>
+              </a:rPr>
+              <a:t> 운전자가 알 </a:t>
+            </a:r>
+            <a:r>
+              <a:rPr lang="ko-KR" altLang="en-US" dirty="0" err="1">
+                <a:latin typeface="+mn-ea"/>
+              </a:rPr>
+              <a:t>수있게</a:t>
+            </a:r>
+            <a:r>
+              <a:rPr lang="ko-KR" altLang="en-US" dirty="0">
+                <a:latin typeface="+mn-ea"/>
+              </a:rPr>
+              <a:t>  </a:t>
+            </a:r>
+            <a:r>
+              <a:rPr lang="en-US" altLang="ko-KR" dirty="0">
+                <a:latin typeface="+mn-ea"/>
+              </a:rPr>
+              <a:t>-&gt;</a:t>
+            </a:r>
+            <a:r>
+              <a:rPr lang="ko-KR" altLang="en-US" dirty="0">
+                <a:latin typeface="+mn-ea"/>
+              </a:rPr>
+              <a:t> 클러스터 </a:t>
+            </a:r>
+            <a:r>
+              <a:rPr lang="en-US" altLang="ko-KR" dirty="0">
+                <a:latin typeface="+mn-ea"/>
+              </a:rPr>
+              <a:t>-&gt;</a:t>
+            </a:r>
+            <a:r>
+              <a:rPr lang="ko-KR" altLang="en-US" dirty="0">
+                <a:latin typeface="+mn-ea"/>
+              </a:rPr>
+              <a:t> 문을 열려고 시도 합니다</a:t>
+            </a:r>
+            <a:r>
+              <a:rPr lang="en-US" altLang="ko-KR" dirty="0">
+                <a:latin typeface="+mn-ea"/>
+              </a:rPr>
+              <a:t>.</a:t>
+            </a:r>
+          </a:p>
+          <a:p>
+            <a:pPr marL="342900" indent="-342900">
+              <a:buFontTx/>
+              <a:buChar char="-"/>
+            </a:pPr>
+            <a:endParaRPr lang="en-US" altLang="ko-KR" dirty="0">
+              <a:latin typeface="+mn-ea"/>
+            </a:endParaRPr>
+          </a:p>
+          <a:p>
+            <a:r>
+              <a:rPr lang="en-US" altLang="ko-KR" b="1" dirty="0">
+                <a:latin typeface="+mn-ea"/>
+              </a:rPr>
+              <a:t>2. </a:t>
+            </a:r>
+            <a:r>
+              <a:rPr lang="ko-KR" altLang="en-US" b="1" dirty="0" err="1">
+                <a:latin typeface="+mn-ea"/>
+              </a:rPr>
+              <a:t>차일드</a:t>
+            </a:r>
+            <a:r>
+              <a:rPr lang="ko-KR" altLang="en-US" b="1" dirty="0">
+                <a:latin typeface="+mn-ea"/>
+              </a:rPr>
+              <a:t> </a:t>
+            </a:r>
+            <a:r>
+              <a:rPr lang="ko-KR" altLang="en-US" b="1" dirty="0" err="1">
+                <a:latin typeface="+mn-ea"/>
+              </a:rPr>
+              <a:t>락</a:t>
+            </a:r>
+            <a:r>
+              <a:rPr lang="ko-KR" altLang="en-US" b="1" dirty="0">
+                <a:latin typeface="+mn-ea"/>
+              </a:rPr>
+              <a:t> </a:t>
+            </a:r>
+            <a:r>
+              <a:rPr lang="en-US" altLang="ko-KR" b="1" dirty="0">
+                <a:latin typeface="+mn-ea"/>
+              </a:rPr>
+              <a:t>-</a:t>
+            </a:r>
+            <a:r>
+              <a:rPr lang="ko-KR" altLang="en-US" b="1" dirty="0">
+                <a:latin typeface="+mn-ea"/>
+              </a:rPr>
+              <a:t> </a:t>
+            </a:r>
+            <a:r>
+              <a:rPr lang="en-US" altLang="ko-KR" b="1" dirty="0">
+                <a:latin typeface="+mn-ea"/>
+              </a:rPr>
+              <a:t>off</a:t>
+            </a:r>
+          </a:p>
+          <a:p>
+            <a:r>
+              <a:rPr lang="ko-KR" altLang="en-US" b="1" dirty="0">
+                <a:latin typeface="+mn-ea"/>
+              </a:rPr>
+              <a:t> </a:t>
+            </a:r>
+            <a:r>
+              <a:rPr lang="ko-KR" altLang="en-US" dirty="0" err="1">
+                <a:latin typeface="+mn-ea"/>
+              </a:rPr>
+              <a:t>후측방</a:t>
+            </a:r>
+            <a:r>
+              <a:rPr lang="ko-KR" altLang="en-US" dirty="0">
+                <a:latin typeface="+mn-ea"/>
+              </a:rPr>
+              <a:t> 레이더 센서 </a:t>
+            </a:r>
+            <a:r>
+              <a:rPr lang="en-US" altLang="ko-KR" dirty="0">
+                <a:latin typeface="+mn-ea"/>
+              </a:rPr>
+              <a:t>-&gt;</a:t>
+            </a:r>
+            <a:r>
+              <a:rPr lang="ko-KR" altLang="en-US" dirty="0">
+                <a:latin typeface="+mn-ea"/>
+              </a:rPr>
+              <a:t> </a:t>
+            </a:r>
+            <a:r>
+              <a:rPr lang="en-US" altLang="ko-KR" dirty="0">
+                <a:latin typeface="+mn-ea"/>
+              </a:rPr>
+              <a:t>off </a:t>
+            </a:r>
+            <a:r>
+              <a:rPr lang="ko-KR" altLang="en-US" dirty="0">
+                <a:latin typeface="+mn-ea"/>
+              </a:rPr>
+              <a:t>상태를 운전자에게 알림 </a:t>
+            </a:r>
+            <a:r>
+              <a:rPr lang="en-US" altLang="ko-KR" dirty="0">
+                <a:latin typeface="+mn-ea"/>
+              </a:rPr>
+              <a:t>-&gt;</a:t>
+            </a:r>
+            <a:r>
+              <a:rPr lang="ko-KR" altLang="en-US" dirty="0">
+                <a:latin typeface="+mn-ea"/>
+              </a:rPr>
+              <a:t> </a:t>
+            </a:r>
+            <a:r>
+              <a:rPr lang="ko-KR" altLang="en-US" dirty="0" err="1">
+                <a:latin typeface="+mn-ea"/>
+              </a:rPr>
+              <a:t>락</a:t>
+            </a:r>
+            <a:r>
+              <a:rPr lang="ko-KR" altLang="en-US" dirty="0">
+                <a:latin typeface="+mn-ea"/>
+              </a:rPr>
+              <a:t> </a:t>
+            </a:r>
+            <a:r>
+              <a:rPr lang="en-US" altLang="ko-KR" dirty="0">
+                <a:latin typeface="+mn-ea"/>
+              </a:rPr>
+              <a:t>on</a:t>
+            </a:r>
+            <a:endParaRPr lang="en-US" altLang="ko-KR" b="1" dirty="0">
+              <a:latin typeface="+mn-ea"/>
+            </a:endParaRPr>
+          </a:p>
+          <a:p>
+            <a:pPr marL="342900" indent="-342900">
+              <a:buFontTx/>
+              <a:buChar char="-"/>
+            </a:pPr>
+            <a:endParaRPr lang="en-US" altLang="ko-KR" sz="2400" b="1" dirty="0">
+              <a:latin typeface="+mn-ea"/>
+            </a:endParaRPr>
+          </a:p>
+        </p:txBody>
+      </p:sp>
+    </p:spTree>
+    <p:extLst>
+      <p:ext uri="{BB962C8B-B14F-4D97-AF65-F5344CB8AC3E}">
+        <p14:creationId xmlns:p14="http://schemas.microsoft.com/office/powerpoint/2010/main" val="3259909936"/>
+      </p:ext>
+    </p:extLst>
+  </p:cSld>
+  <p:clrMapOvr>
+    <a:masterClrMapping/>
+  </p:clrMapOvr>
+</p:sld>
+</file>
+
+<file path=ppt/slides/slide7.xml><?xml version="1.0" encoding="utf-8"?>
+<p:sld xmlns:a="http://schemas.openxmlformats.org/drawingml/2006/main" xmlns:r="http://schemas.openxmlformats.org/officeDocument/2006/relationships" xmlns:p="http://schemas.openxmlformats.org/presentationml/2006/main">
+  <p:cSld>
+    <p:spTree>
+      <p:nvGrpSpPr>
         <p:cNvPr id="1" name=""/>
         <p:cNvGrpSpPr/>
         <p:nvPr/>
@@ -20936,29 +21609,1062 @@
       </p:sp>
       <p:sp>
         <p:nvSpPr>
-          <p:cNvPr id="3" name="텍스트 개체 틀 2">
+          <p:cNvPr id="4" name="Rectangle 3">
             <a:extLst>
               <a:ext uri="{FF2B5EF4-FFF2-40B4-BE49-F238E27FC236}">
-                <a16:creationId xmlns:a16="http://schemas.microsoft.com/office/drawing/2014/main" id="{AD20F2F1-F7A1-10AB-420D-56EED598579F}"/>
+                <a16:creationId xmlns:a16="http://schemas.microsoft.com/office/drawing/2014/main" id="{158FDA2D-F8DD-A49B-95CA-600CFF522143}"/>
               </a:ext>
             </a:extLst>
           </p:cNvPr>
-          <p:cNvSpPr>
-            <a:spLocks noGrp="1"/>
-          </p:cNvSpPr>
-          <p:nvPr>
-            <p:ph type="body" sz="quarter" idx="10"/>
-          </p:nvPr>
+          <p:cNvSpPr/>
+          <p:nvPr/>
         </p:nvSpPr>
-        <p:spPr/>
+        <p:spPr>
+          <a:xfrm>
+            <a:off x="3573517" y="1334814"/>
+            <a:ext cx="4214649" cy="4750676"/>
+          </a:xfrm>
+          <a:prstGeom prst="rect">
+            <a:avLst/>
+          </a:prstGeom>
+          <a:noFill/>
+          <a:ln w="28575">
+            <a:solidFill>
+              <a:schemeClr val="tx1"/>
+            </a:solidFill>
+          </a:ln>
+        </p:spPr>
+        <p:style>
+          <a:lnRef idx="2">
+            <a:schemeClr val="accent1">
+              <a:shade val="50000"/>
+            </a:schemeClr>
+          </a:lnRef>
+          <a:fillRef idx="1">
+            <a:schemeClr val="accent1"/>
+          </a:fillRef>
+          <a:effectRef idx="0">
+            <a:schemeClr val="accent1"/>
+          </a:effectRef>
+          <a:fontRef idx="minor">
+            <a:schemeClr val="lt1"/>
+          </a:fontRef>
+        </p:style>
         <p:txBody>
-          <a:bodyPr/>
+          <a:bodyPr rtlCol="0" anchor="ctr"/>
           <a:lstStyle/>
           <a:p>
-            <a:endParaRPr lang="ko-KR" altLang="en-US"/>
+            <a:pPr algn="ctr"/>
+            <a:endParaRPr lang="en-KR" sz="6600" dirty="0">
+              <a:solidFill>
+                <a:schemeClr val="bg1"/>
+              </a:solidFill>
+              <a:latin typeface="프리젠테이션 7 Bold" pitchFamily="2" charset="-127"/>
+              <a:ea typeface="프리젠테이션 7 Bold" pitchFamily="2" charset="-127"/>
+            </a:endParaRPr>
           </a:p>
         </p:txBody>
       </p:sp>
+      <p:sp>
+        <p:nvSpPr>
+          <p:cNvPr id="5" name="TextBox 4">
+            <a:extLst>
+              <a:ext uri="{FF2B5EF4-FFF2-40B4-BE49-F238E27FC236}">
+                <a16:creationId xmlns:a16="http://schemas.microsoft.com/office/drawing/2014/main" id="{ED6D0EB0-6A9E-8969-560F-3FD98145BDF3}"/>
+              </a:ext>
+            </a:extLst>
+          </p:cNvPr>
+          <p:cNvSpPr txBox="1"/>
+          <p:nvPr/>
+        </p:nvSpPr>
+        <p:spPr>
+          <a:xfrm>
+            <a:off x="3700462" y="1471613"/>
+            <a:ext cx="2170787" cy="338554"/>
+          </a:xfrm>
+          <a:prstGeom prst="rect">
+            <a:avLst/>
+          </a:prstGeom>
+          <a:noFill/>
+        </p:spPr>
+        <p:txBody>
+          <a:bodyPr wrap="none" rtlCol="0">
+            <a:spAutoFit/>
+          </a:bodyPr>
+          <a:lstStyle/>
+          <a:p>
+            <a:r>
+              <a:rPr lang="ko-KR" altLang="en-US" sz="1600" b="1" dirty="0">
+                <a:latin typeface="+mn-ea"/>
+              </a:rPr>
+              <a:t>전자 </a:t>
+            </a:r>
+            <a:r>
+              <a:rPr lang="ko-KR" altLang="en-US" sz="1600" b="1" dirty="0" err="1">
+                <a:latin typeface="+mn-ea"/>
+              </a:rPr>
+              <a:t>차일드</a:t>
+            </a:r>
+            <a:r>
+              <a:rPr lang="ko-KR" altLang="en-US" sz="1600" b="1" dirty="0">
+                <a:latin typeface="+mn-ea"/>
+              </a:rPr>
+              <a:t> </a:t>
+            </a:r>
+            <a:r>
+              <a:rPr lang="ko-KR" altLang="en-US" sz="1600" b="1" dirty="0" err="1">
+                <a:latin typeface="+mn-ea"/>
+              </a:rPr>
+              <a:t>락</a:t>
+            </a:r>
+            <a:r>
+              <a:rPr lang="ko-KR" altLang="en-US" sz="1600" b="1" dirty="0">
+                <a:latin typeface="+mn-ea"/>
+              </a:rPr>
+              <a:t> 시스템</a:t>
+            </a:r>
+            <a:endParaRPr lang="en-KR" sz="1600" b="1" dirty="0">
+              <a:latin typeface="+mn-ea"/>
+            </a:endParaRPr>
+          </a:p>
+        </p:txBody>
+      </p:sp>
+      <p:sp>
+        <p:nvSpPr>
+          <p:cNvPr id="10" name="TextBox 9">
+            <a:extLst>
+              <a:ext uri="{FF2B5EF4-FFF2-40B4-BE49-F238E27FC236}">
+                <a16:creationId xmlns:a16="http://schemas.microsoft.com/office/drawing/2014/main" id="{D376D40C-D0E5-4384-37FF-3DA9C97FCC8C}"/>
+              </a:ext>
+            </a:extLst>
+          </p:cNvPr>
+          <p:cNvSpPr txBox="1"/>
+          <p:nvPr/>
+        </p:nvSpPr>
+        <p:spPr>
+          <a:xfrm>
+            <a:off x="656346" y="1950621"/>
+            <a:ext cx="1031051" cy="1107996"/>
+          </a:xfrm>
+          <a:prstGeom prst="rect">
+            <a:avLst/>
+          </a:prstGeom>
+          <a:noFill/>
+        </p:spPr>
+        <p:txBody>
+          <a:bodyPr wrap="none" rtlCol="0">
+            <a:spAutoFit/>
+          </a:bodyPr>
+          <a:lstStyle/>
+          <a:p>
+            <a:r>
+              <a:rPr lang="ko-KR" altLang="en-US" sz="6600" dirty="0">
+                <a:latin typeface="+mn-ea"/>
+              </a:rPr>
+              <a:t>👶🏻</a:t>
+            </a:r>
+            <a:endParaRPr lang="en-KR" sz="6600" dirty="0">
+              <a:latin typeface="+mn-ea"/>
+            </a:endParaRPr>
+          </a:p>
+        </p:txBody>
+      </p:sp>
+      <p:sp>
+        <p:nvSpPr>
+          <p:cNvPr id="13" name="TextBox 12">
+            <a:extLst>
+              <a:ext uri="{FF2B5EF4-FFF2-40B4-BE49-F238E27FC236}">
+                <a16:creationId xmlns:a16="http://schemas.microsoft.com/office/drawing/2014/main" id="{AF8CBBB2-BF4D-4381-5CDB-00E6D3139221}"/>
+              </a:ext>
+            </a:extLst>
+          </p:cNvPr>
+          <p:cNvSpPr txBox="1"/>
+          <p:nvPr/>
+        </p:nvSpPr>
+        <p:spPr>
+          <a:xfrm>
+            <a:off x="1072281" y="4036955"/>
+            <a:ext cx="1520058" cy="1107996"/>
+          </a:xfrm>
+          <a:prstGeom prst="rect">
+            <a:avLst/>
+          </a:prstGeom>
+          <a:noFill/>
+        </p:spPr>
+        <p:txBody>
+          <a:bodyPr wrap="square">
+            <a:spAutoFit/>
+          </a:bodyPr>
+          <a:lstStyle/>
+          <a:p>
+            <a:pPr algn="ctr"/>
+            <a:r>
+              <a:rPr lang="ko-KR" altLang="en-US" sz="6600" dirty="0">
+                <a:solidFill>
+                  <a:schemeClr val="bg1"/>
+                </a:solidFill>
+                <a:latin typeface="프리젠테이션 7 Bold" pitchFamily="2" charset="-127"/>
+                <a:ea typeface="프리젠테이션 7 Bold" pitchFamily="2" charset="-127"/>
+              </a:rPr>
+              <a:t>👨🏻</a:t>
+            </a:r>
+            <a:endParaRPr lang="en-KR" sz="6600" dirty="0">
+              <a:solidFill>
+                <a:schemeClr val="bg1"/>
+              </a:solidFill>
+              <a:latin typeface="프리젠테이션 7 Bold" pitchFamily="2" charset="-127"/>
+              <a:ea typeface="프리젠테이션 7 Bold" pitchFamily="2" charset="-127"/>
+            </a:endParaRPr>
+          </a:p>
+        </p:txBody>
+      </p:sp>
+      <p:sp>
+        <p:nvSpPr>
+          <p:cNvPr id="14" name="TextBox 13">
+            <a:extLst>
+              <a:ext uri="{FF2B5EF4-FFF2-40B4-BE49-F238E27FC236}">
+                <a16:creationId xmlns:a16="http://schemas.microsoft.com/office/drawing/2014/main" id="{7C55BF18-AA1D-DD22-91D4-E9753B3C57AE}"/>
+              </a:ext>
+            </a:extLst>
+          </p:cNvPr>
+          <p:cNvSpPr txBox="1"/>
+          <p:nvPr/>
+        </p:nvSpPr>
+        <p:spPr>
+          <a:xfrm>
+            <a:off x="8476127" y="2134764"/>
+            <a:ext cx="1031051" cy="1107996"/>
+          </a:xfrm>
+          <a:prstGeom prst="rect">
+            <a:avLst/>
+          </a:prstGeom>
+          <a:noFill/>
+        </p:spPr>
+        <p:txBody>
+          <a:bodyPr wrap="none" rtlCol="0">
+            <a:spAutoFit/>
+          </a:bodyPr>
+          <a:lstStyle/>
+          <a:p>
+            <a:r>
+              <a:rPr lang="en-KR" sz="6600" dirty="0">
+                <a:latin typeface="+mn-ea"/>
+              </a:rPr>
+              <a:t>🖥️</a:t>
+            </a:r>
+          </a:p>
+        </p:txBody>
+      </p:sp>
+      <p:sp>
+        <p:nvSpPr>
+          <p:cNvPr id="15" name="TextBox 14">
+            <a:extLst>
+              <a:ext uri="{FF2B5EF4-FFF2-40B4-BE49-F238E27FC236}">
+                <a16:creationId xmlns:a16="http://schemas.microsoft.com/office/drawing/2014/main" id="{B86E4A3F-C154-669A-48C4-0AB40A815BFD}"/>
+              </a:ext>
+            </a:extLst>
+          </p:cNvPr>
+          <p:cNvSpPr txBox="1"/>
+          <p:nvPr/>
+        </p:nvSpPr>
+        <p:spPr>
+          <a:xfrm>
+            <a:off x="1355256" y="4944896"/>
+            <a:ext cx="954107" cy="400110"/>
+          </a:xfrm>
+          <a:prstGeom prst="rect">
+            <a:avLst/>
+          </a:prstGeom>
+          <a:noFill/>
+        </p:spPr>
+        <p:txBody>
+          <a:bodyPr wrap="none" rtlCol="0">
+            <a:spAutoFit/>
+          </a:bodyPr>
+          <a:lstStyle/>
+          <a:p>
+            <a:r>
+              <a:rPr lang="ko-KR" altLang="en-US" sz="2000" dirty="0">
+                <a:latin typeface="+mn-ea"/>
+              </a:rPr>
+              <a:t>운전자</a:t>
+            </a:r>
+            <a:endParaRPr lang="en-KR" sz="2000" dirty="0">
+              <a:latin typeface="+mn-ea"/>
+            </a:endParaRPr>
+          </a:p>
+        </p:txBody>
+      </p:sp>
+      <p:sp>
+        <p:nvSpPr>
+          <p:cNvPr id="16" name="TextBox 15">
+            <a:extLst>
+              <a:ext uri="{FF2B5EF4-FFF2-40B4-BE49-F238E27FC236}">
+                <a16:creationId xmlns:a16="http://schemas.microsoft.com/office/drawing/2014/main" id="{0643494C-F950-C6FF-0F36-7B38B98CD2C6}"/>
+              </a:ext>
+            </a:extLst>
+          </p:cNvPr>
+          <p:cNvSpPr txBox="1"/>
+          <p:nvPr/>
+        </p:nvSpPr>
+        <p:spPr>
+          <a:xfrm>
+            <a:off x="823056" y="2858562"/>
+            <a:ext cx="697627" cy="400110"/>
+          </a:xfrm>
+          <a:prstGeom prst="rect">
+            <a:avLst/>
+          </a:prstGeom>
+          <a:noFill/>
+        </p:spPr>
+        <p:txBody>
+          <a:bodyPr wrap="none" rtlCol="0">
+            <a:spAutoFit/>
+          </a:bodyPr>
+          <a:lstStyle/>
+          <a:p>
+            <a:r>
+              <a:rPr lang="ko-KR" altLang="en-US" sz="2000" dirty="0">
+                <a:latin typeface="+mn-ea"/>
+              </a:rPr>
+              <a:t>승객</a:t>
+            </a:r>
+            <a:endParaRPr lang="en-KR" sz="2000" dirty="0">
+              <a:latin typeface="+mn-ea"/>
+            </a:endParaRPr>
+          </a:p>
+        </p:txBody>
+      </p:sp>
+      <p:sp>
+        <p:nvSpPr>
+          <p:cNvPr id="17" name="TextBox 16">
+            <a:extLst>
+              <a:ext uri="{FF2B5EF4-FFF2-40B4-BE49-F238E27FC236}">
+                <a16:creationId xmlns:a16="http://schemas.microsoft.com/office/drawing/2014/main" id="{8786436E-D7F6-DE4F-64FB-4072BD9C6209}"/>
+              </a:ext>
+            </a:extLst>
+          </p:cNvPr>
+          <p:cNvSpPr txBox="1"/>
+          <p:nvPr/>
+        </p:nvSpPr>
+        <p:spPr>
+          <a:xfrm>
+            <a:off x="8386357" y="3042337"/>
+            <a:ext cx="1210588" cy="400110"/>
+          </a:xfrm>
+          <a:prstGeom prst="rect">
+            <a:avLst/>
+          </a:prstGeom>
+          <a:noFill/>
+        </p:spPr>
+        <p:txBody>
+          <a:bodyPr wrap="none" rtlCol="0">
+            <a:spAutoFit/>
+          </a:bodyPr>
+          <a:lstStyle/>
+          <a:p>
+            <a:r>
+              <a:rPr lang="ko-KR" altLang="en-US" sz="2000" dirty="0">
+                <a:latin typeface="+mn-ea"/>
+              </a:rPr>
+              <a:t>클러스터</a:t>
+            </a:r>
+            <a:endParaRPr lang="en-KR" sz="2000" dirty="0">
+              <a:latin typeface="+mn-ea"/>
+            </a:endParaRPr>
+          </a:p>
+        </p:txBody>
+      </p:sp>
+      <p:sp>
+        <p:nvSpPr>
+          <p:cNvPr id="19" name="TextBox 18">
+            <a:extLst>
+              <a:ext uri="{FF2B5EF4-FFF2-40B4-BE49-F238E27FC236}">
+                <a16:creationId xmlns:a16="http://schemas.microsoft.com/office/drawing/2014/main" id="{AD7A7499-A1A8-3868-789F-43FC1138814C}"/>
+              </a:ext>
+            </a:extLst>
+          </p:cNvPr>
+          <p:cNvSpPr txBox="1"/>
+          <p:nvPr/>
+        </p:nvSpPr>
+        <p:spPr>
+          <a:xfrm>
+            <a:off x="1638152" y="2004719"/>
+            <a:ext cx="1031051" cy="1107996"/>
+          </a:xfrm>
+          <a:prstGeom prst="rect">
+            <a:avLst/>
+          </a:prstGeom>
+          <a:noFill/>
+        </p:spPr>
+        <p:txBody>
+          <a:bodyPr wrap="none" rtlCol="0">
+            <a:spAutoFit/>
+          </a:bodyPr>
+          <a:lstStyle/>
+          <a:p>
+            <a:r>
+              <a:rPr lang="en-KR" sz="6600" dirty="0">
+                <a:latin typeface="+mn-ea"/>
+              </a:rPr>
+              <a:t>🚪</a:t>
+            </a:r>
+          </a:p>
+        </p:txBody>
+      </p:sp>
+      <p:sp>
+        <p:nvSpPr>
+          <p:cNvPr id="22" name="Rectangle 21">
+            <a:extLst>
+              <a:ext uri="{FF2B5EF4-FFF2-40B4-BE49-F238E27FC236}">
+                <a16:creationId xmlns:a16="http://schemas.microsoft.com/office/drawing/2014/main" id="{5969C120-88E7-C4DD-ACC8-706917EF2A55}"/>
+              </a:ext>
+            </a:extLst>
+          </p:cNvPr>
+          <p:cNvSpPr/>
+          <p:nvPr/>
+        </p:nvSpPr>
+        <p:spPr>
+          <a:xfrm>
+            <a:off x="3959617" y="3028890"/>
+            <a:ext cx="3442447" cy="1308051"/>
+          </a:xfrm>
+          <a:prstGeom prst="rect">
+            <a:avLst/>
+          </a:prstGeom>
+          <a:solidFill>
+            <a:schemeClr val="bg2">
+              <a:lumMod val="75000"/>
+            </a:schemeClr>
+          </a:solidFill>
+          <a:ln w="12700">
+            <a:noFill/>
+          </a:ln>
+        </p:spPr>
+        <p:style>
+          <a:lnRef idx="2">
+            <a:schemeClr val="accent1">
+              <a:shade val="50000"/>
+            </a:schemeClr>
+          </a:lnRef>
+          <a:fillRef idx="1">
+            <a:schemeClr val="accent1"/>
+          </a:fillRef>
+          <a:effectRef idx="0">
+            <a:schemeClr val="accent1"/>
+          </a:effectRef>
+          <a:fontRef idx="minor">
+            <a:schemeClr val="lt1"/>
+          </a:fontRef>
+        </p:style>
+        <p:txBody>
+          <a:bodyPr rtlCol="0" anchor="ctr"/>
+          <a:lstStyle/>
+          <a:p>
+            <a:pPr algn="ctr"/>
+            <a:r>
+              <a:rPr lang="ko-KR" altLang="en-US" sz="3200" dirty="0" err="1">
+                <a:solidFill>
+                  <a:schemeClr val="bg1"/>
+                </a:solidFill>
+                <a:latin typeface="프리젠테이션 7 Bold" pitchFamily="2" charset="-127"/>
+                <a:ea typeface="프리젠테이션 7 Bold" pitchFamily="2" charset="-127"/>
+              </a:rPr>
+              <a:t>차일드</a:t>
+            </a:r>
+            <a:r>
+              <a:rPr lang="ko-KR" altLang="en-US" sz="3200" dirty="0">
+                <a:solidFill>
+                  <a:schemeClr val="bg1"/>
+                </a:solidFill>
+                <a:latin typeface="프리젠테이션 7 Bold" pitchFamily="2" charset="-127"/>
+                <a:ea typeface="프리젠테이션 7 Bold" pitchFamily="2" charset="-127"/>
+              </a:rPr>
+              <a:t> </a:t>
+            </a:r>
+            <a:r>
+              <a:rPr lang="ko-KR" altLang="en-US" sz="3200" dirty="0" err="1">
+                <a:solidFill>
+                  <a:schemeClr val="bg1"/>
+                </a:solidFill>
+                <a:latin typeface="프리젠테이션 7 Bold" pitchFamily="2" charset="-127"/>
+                <a:ea typeface="프리젠테이션 7 Bold" pitchFamily="2" charset="-127"/>
+              </a:rPr>
+              <a:t>락</a:t>
+            </a:r>
+            <a:r>
+              <a:rPr lang="ko-KR" altLang="en-US" sz="3200" dirty="0">
+                <a:solidFill>
+                  <a:schemeClr val="bg1"/>
+                </a:solidFill>
+                <a:latin typeface="프리젠테이션 7 Bold" pitchFamily="2" charset="-127"/>
+                <a:ea typeface="프리젠테이션 7 Bold" pitchFamily="2" charset="-127"/>
+              </a:rPr>
+              <a:t>  </a:t>
+            </a:r>
+            <a:endParaRPr lang="en-KR" sz="3200" dirty="0">
+              <a:solidFill>
+                <a:schemeClr val="bg1"/>
+              </a:solidFill>
+              <a:latin typeface="프리젠테이션 7 Bold" pitchFamily="2" charset="-127"/>
+              <a:ea typeface="프리젠테이션 7 Bold" pitchFamily="2" charset="-127"/>
+            </a:endParaRPr>
+          </a:p>
+        </p:txBody>
+      </p:sp>
+      <p:sp>
+        <p:nvSpPr>
+          <p:cNvPr id="25" name="TextBox 24">
+            <a:extLst>
+              <a:ext uri="{FF2B5EF4-FFF2-40B4-BE49-F238E27FC236}">
+                <a16:creationId xmlns:a16="http://schemas.microsoft.com/office/drawing/2014/main" id="{11E21BBA-7A89-A6CB-0B0D-51EF0DFAB6C8}"/>
+              </a:ext>
+            </a:extLst>
+          </p:cNvPr>
+          <p:cNvSpPr txBox="1"/>
+          <p:nvPr/>
+        </p:nvSpPr>
+        <p:spPr>
+          <a:xfrm>
+            <a:off x="835311" y="5685380"/>
+            <a:ext cx="2351926" cy="400110"/>
+          </a:xfrm>
+          <a:prstGeom prst="rect">
+            <a:avLst/>
+          </a:prstGeom>
+          <a:noFill/>
+        </p:spPr>
+        <p:txBody>
+          <a:bodyPr wrap="none" rtlCol="0">
+            <a:spAutoFit/>
+          </a:bodyPr>
+          <a:lstStyle/>
+          <a:p>
+            <a:r>
+              <a:rPr lang="ko-KR" altLang="en-US" sz="2000" dirty="0" err="1">
+                <a:latin typeface="+mn-ea"/>
+              </a:rPr>
+              <a:t>후측방</a:t>
+            </a:r>
+            <a:r>
+              <a:rPr lang="ko-KR" altLang="en-US" sz="2000" dirty="0">
+                <a:latin typeface="+mn-ea"/>
+              </a:rPr>
+              <a:t> 레이더 센서</a:t>
+            </a:r>
+            <a:endParaRPr lang="en-KR" sz="2000" dirty="0">
+              <a:latin typeface="+mn-ea"/>
+            </a:endParaRPr>
+          </a:p>
+        </p:txBody>
+      </p:sp>
+      <p:sp>
+        <p:nvSpPr>
+          <p:cNvPr id="27" name="TextBox 26">
+            <a:extLst>
+              <a:ext uri="{FF2B5EF4-FFF2-40B4-BE49-F238E27FC236}">
+                <a16:creationId xmlns:a16="http://schemas.microsoft.com/office/drawing/2014/main" id="{302356C6-2BBC-3AC4-3479-CCEBFF66B9B9}"/>
+              </a:ext>
+            </a:extLst>
+          </p:cNvPr>
+          <p:cNvSpPr txBox="1"/>
+          <p:nvPr/>
+        </p:nvSpPr>
+        <p:spPr>
+          <a:xfrm>
+            <a:off x="1524334" y="2821045"/>
+            <a:ext cx="1524776" cy="707886"/>
+          </a:xfrm>
+          <a:prstGeom prst="rect">
+            <a:avLst/>
+          </a:prstGeom>
+          <a:noFill/>
+        </p:spPr>
+        <p:txBody>
+          <a:bodyPr wrap="none" rtlCol="0">
+            <a:spAutoFit/>
+          </a:bodyPr>
+          <a:lstStyle/>
+          <a:p>
+            <a:r>
+              <a:rPr lang="ko-KR" altLang="en-US" sz="2000" dirty="0" err="1">
+                <a:latin typeface="+mn-ea"/>
+              </a:rPr>
+              <a:t>도어락</a:t>
+            </a:r>
+            <a:r>
+              <a:rPr lang="ko-KR" altLang="en-US" sz="2000" dirty="0">
+                <a:latin typeface="+mn-ea"/>
+              </a:rPr>
+              <a:t> </a:t>
+            </a:r>
+            <a:endParaRPr lang="en-US" altLang="ko-KR" sz="2000" dirty="0">
+              <a:latin typeface="+mn-ea"/>
+            </a:endParaRPr>
+          </a:p>
+          <a:p>
+            <a:r>
+              <a:rPr lang="ko-KR" altLang="en-US" sz="2000" dirty="0">
+                <a:latin typeface="+mn-ea"/>
+              </a:rPr>
+              <a:t>제어기 센서</a:t>
+            </a:r>
+            <a:endParaRPr lang="en-KR" sz="2000" dirty="0">
+              <a:latin typeface="+mn-ea"/>
+            </a:endParaRPr>
+          </a:p>
+        </p:txBody>
+      </p:sp>
+      <p:sp>
+        <p:nvSpPr>
+          <p:cNvPr id="28" name="TextBox 27">
+            <a:extLst>
+              <a:ext uri="{FF2B5EF4-FFF2-40B4-BE49-F238E27FC236}">
+                <a16:creationId xmlns:a16="http://schemas.microsoft.com/office/drawing/2014/main" id="{E68AFDB4-F2ED-9D58-F788-0C4DE7F29382}"/>
+              </a:ext>
+            </a:extLst>
+          </p:cNvPr>
+          <p:cNvSpPr txBox="1"/>
+          <p:nvPr/>
+        </p:nvSpPr>
+        <p:spPr>
+          <a:xfrm>
+            <a:off x="10074620" y="2120949"/>
+            <a:ext cx="1520058" cy="1107996"/>
+          </a:xfrm>
+          <a:prstGeom prst="rect">
+            <a:avLst/>
+          </a:prstGeom>
+          <a:noFill/>
+        </p:spPr>
+        <p:txBody>
+          <a:bodyPr wrap="square">
+            <a:spAutoFit/>
+          </a:bodyPr>
+          <a:lstStyle/>
+          <a:p>
+            <a:pPr algn="ctr"/>
+            <a:r>
+              <a:rPr lang="ko-KR" altLang="en-US" sz="6600" dirty="0">
+                <a:solidFill>
+                  <a:schemeClr val="bg1"/>
+                </a:solidFill>
+                <a:latin typeface="프리젠테이션 7 Bold" pitchFamily="2" charset="-127"/>
+                <a:ea typeface="프리젠테이션 7 Bold" pitchFamily="2" charset="-127"/>
+              </a:rPr>
+              <a:t>👨🏻</a:t>
+            </a:r>
+            <a:endParaRPr lang="en-KR" sz="6600" dirty="0">
+              <a:solidFill>
+                <a:schemeClr val="bg1"/>
+              </a:solidFill>
+              <a:latin typeface="프리젠테이션 7 Bold" pitchFamily="2" charset="-127"/>
+              <a:ea typeface="프리젠테이션 7 Bold" pitchFamily="2" charset="-127"/>
+            </a:endParaRPr>
+          </a:p>
+        </p:txBody>
+      </p:sp>
+      <p:sp>
+        <p:nvSpPr>
+          <p:cNvPr id="29" name="TextBox 28">
+            <a:extLst>
+              <a:ext uri="{FF2B5EF4-FFF2-40B4-BE49-F238E27FC236}">
+                <a16:creationId xmlns:a16="http://schemas.microsoft.com/office/drawing/2014/main" id="{607C84BA-24A8-9338-6EDF-E07BAFD3316C}"/>
+              </a:ext>
+            </a:extLst>
+          </p:cNvPr>
+          <p:cNvSpPr txBox="1"/>
+          <p:nvPr/>
+        </p:nvSpPr>
+        <p:spPr>
+          <a:xfrm>
+            <a:off x="10357595" y="3028890"/>
+            <a:ext cx="954107" cy="400110"/>
+          </a:xfrm>
+          <a:prstGeom prst="rect">
+            <a:avLst/>
+          </a:prstGeom>
+          <a:noFill/>
+        </p:spPr>
+        <p:txBody>
+          <a:bodyPr wrap="none" rtlCol="0">
+            <a:spAutoFit/>
+          </a:bodyPr>
+          <a:lstStyle/>
+          <a:p>
+            <a:r>
+              <a:rPr lang="ko-KR" altLang="en-US" sz="2000" dirty="0">
+                <a:latin typeface="+mn-ea"/>
+              </a:rPr>
+              <a:t>운전자</a:t>
+            </a:r>
+            <a:endParaRPr lang="en-KR" sz="2000" dirty="0">
+              <a:latin typeface="+mn-ea"/>
+            </a:endParaRPr>
+          </a:p>
+        </p:txBody>
+      </p:sp>
+      <p:sp>
+        <p:nvSpPr>
+          <p:cNvPr id="30" name="TextBox 29">
+            <a:extLst>
+              <a:ext uri="{FF2B5EF4-FFF2-40B4-BE49-F238E27FC236}">
+                <a16:creationId xmlns:a16="http://schemas.microsoft.com/office/drawing/2014/main" id="{8C77CEE0-15EA-6DDD-A236-470E49DA80B6}"/>
+              </a:ext>
+            </a:extLst>
+          </p:cNvPr>
+          <p:cNvSpPr txBox="1"/>
+          <p:nvPr/>
+        </p:nvSpPr>
+        <p:spPr>
+          <a:xfrm>
+            <a:off x="9158364" y="5467328"/>
+            <a:ext cx="1268296" cy="400110"/>
+          </a:xfrm>
+          <a:prstGeom prst="rect">
+            <a:avLst/>
+          </a:prstGeom>
+          <a:noFill/>
+        </p:spPr>
+        <p:txBody>
+          <a:bodyPr wrap="none" rtlCol="0">
+            <a:spAutoFit/>
+          </a:bodyPr>
+          <a:lstStyle/>
+          <a:p>
+            <a:r>
+              <a:rPr lang="ko-KR" altLang="en-US" sz="2000" dirty="0">
+                <a:latin typeface="+mn-ea"/>
+              </a:rPr>
+              <a:t>음성 알람</a:t>
+            </a:r>
+            <a:endParaRPr lang="en-KR" sz="2000" dirty="0">
+              <a:latin typeface="+mn-ea"/>
+            </a:endParaRPr>
+          </a:p>
+        </p:txBody>
+      </p:sp>
+      <p:sp>
+        <p:nvSpPr>
+          <p:cNvPr id="31" name="TextBox 30">
+            <a:extLst>
+              <a:ext uri="{FF2B5EF4-FFF2-40B4-BE49-F238E27FC236}">
+                <a16:creationId xmlns:a16="http://schemas.microsoft.com/office/drawing/2014/main" id="{129013C7-C248-CE7B-1F30-5DD4C1D76B1F}"/>
+              </a:ext>
+            </a:extLst>
+          </p:cNvPr>
+          <p:cNvSpPr txBox="1"/>
+          <p:nvPr/>
+        </p:nvSpPr>
+        <p:spPr>
+          <a:xfrm>
+            <a:off x="9276986" y="4513221"/>
+            <a:ext cx="1031051" cy="1107996"/>
+          </a:xfrm>
+          <a:prstGeom prst="rect">
+            <a:avLst/>
+          </a:prstGeom>
+          <a:noFill/>
+        </p:spPr>
+        <p:txBody>
+          <a:bodyPr wrap="none" rtlCol="0">
+            <a:spAutoFit/>
+          </a:bodyPr>
+          <a:lstStyle/>
+          <a:p>
+            <a:r>
+              <a:rPr lang="ko-KR" altLang="en-US" sz="6600" dirty="0">
+                <a:latin typeface="+mn-ea"/>
+              </a:rPr>
+              <a:t>⏰</a:t>
+            </a:r>
+            <a:endParaRPr lang="en-KR" sz="6600" dirty="0">
+              <a:latin typeface="+mn-ea"/>
+            </a:endParaRPr>
+          </a:p>
+        </p:txBody>
+      </p:sp>
+      <p:cxnSp>
+        <p:nvCxnSpPr>
+          <p:cNvPr id="33" name="Straight Arrow Connector 32">
+            <a:extLst>
+              <a:ext uri="{FF2B5EF4-FFF2-40B4-BE49-F238E27FC236}">
+                <a16:creationId xmlns:a16="http://schemas.microsoft.com/office/drawing/2014/main" id="{062E0D70-9F14-CC27-3128-A1D9170790A0}"/>
+              </a:ext>
+            </a:extLst>
+          </p:cNvPr>
+          <p:cNvCxnSpPr>
+            <a:stCxn id="10" idx="3"/>
+            <a:endCxn id="22" idx="1"/>
+          </p:cNvCxnSpPr>
+          <p:nvPr/>
+        </p:nvCxnSpPr>
+        <p:spPr>
+          <a:xfrm>
+            <a:off x="1687397" y="2504619"/>
+            <a:ext cx="2272220" cy="1178297"/>
+          </a:xfrm>
+          <a:prstGeom prst="straightConnector1">
+            <a:avLst/>
+          </a:prstGeom>
+          <a:ln>
+            <a:solidFill>
+              <a:schemeClr val="bg1">
+                <a:lumMod val="50000"/>
+              </a:schemeClr>
+            </a:solidFill>
+            <a:tailEnd type="triangle"/>
+          </a:ln>
+        </p:spPr>
+        <p:style>
+          <a:lnRef idx="1">
+            <a:schemeClr val="accent1"/>
+          </a:lnRef>
+          <a:fillRef idx="0">
+            <a:schemeClr val="accent1"/>
+          </a:fillRef>
+          <a:effectRef idx="0">
+            <a:schemeClr val="accent1"/>
+          </a:effectRef>
+          <a:fontRef idx="minor">
+            <a:schemeClr val="tx1"/>
+          </a:fontRef>
+        </p:style>
+      </p:cxnSp>
+      <p:cxnSp>
+        <p:nvCxnSpPr>
+          <p:cNvPr id="42" name="Straight Connector 41">
+            <a:extLst>
+              <a:ext uri="{FF2B5EF4-FFF2-40B4-BE49-F238E27FC236}">
+                <a16:creationId xmlns:a16="http://schemas.microsoft.com/office/drawing/2014/main" id="{910AFE3B-11CE-4EA6-86E1-6DC24C34A0DB}"/>
+              </a:ext>
+            </a:extLst>
+          </p:cNvPr>
+          <p:cNvCxnSpPr>
+            <a:stCxn id="22" idx="3"/>
+            <a:endCxn id="14" idx="1"/>
+          </p:cNvCxnSpPr>
+          <p:nvPr/>
+        </p:nvCxnSpPr>
+        <p:spPr>
+          <a:xfrm flipV="1">
+            <a:off x="7402064" y="2688762"/>
+            <a:ext cx="1074063" cy="994154"/>
+          </a:xfrm>
+          <a:prstGeom prst="line">
+            <a:avLst/>
+          </a:prstGeom>
+          <a:ln>
+            <a:solidFill>
+              <a:schemeClr val="bg1">
+                <a:lumMod val="50000"/>
+              </a:schemeClr>
+            </a:solidFill>
+            <a:tailEnd type="none"/>
+          </a:ln>
+        </p:spPr>
+        <p:style>
+          <a:lnRef idx="1">
+            <a:schemeClr val="accent1"/>
+          </a:lnRef>
+          <a:fillRef idx="0">
+            <a:schemeClr val="accent1"/>
+          </a:fillRef>
+          <a:effectRef idx="0">
+            <a:schemeClr val="accent1"/>
+          </a:effectRef>
+          <a:fontRef idx="minor">
+            <a:schemeClr val="tx1"/>
+          </a:fontRef>
+        </p:style>
+      </p:cxnSp>
+      <p:cxnSp>
+        <p:nvCxnSpPr>
+          <p:cNvPr id="44" name="Straight Arrow Connector 43">
+            <a:extLst>
+              <a:ext uri="{FF2B5EF4-FFF2-40B4-BE49-F238E27FC236}">
+                <a16:creationId xmlns:a16="http://schemas.microsoft.com/office/drawing/2014/main" id="{4C7C879E-CDB9-C1F3-A3B2-EEDC768AB779}"/>
+              </a:ext>
+            </a:extLst>
+          </p:cNvPr>
+          <p:cNvCxnSpPr>
+            <a:stCxn id="14" idx="3"/>
+            <a:endCxn id="28" idx="1"/>
+          </p:cNvCxnSpPr>
+          <p:nvPr/>
+        </p:nvCxnSpPr>
+        <p:spPr>
+          <a:xfrm flipV="1">
+            <a:off x="9507178" y="2674947"/>
+            <a:ext cx="567442" cy="13815"/>
+          </a:xfrm>
+          <a:prstGeom prst="straightConnector1">
+            <a:avLst/>
+          </a:prstGeom>
+          <a:ln>
+            <a:solidFill>
+              <a:schemeClr val="bg1">
+                <a:lumMod val="50000"/>
+              </a:schemeClr>
+            </a:solidFill>
+            <a:tailEnd type="triangle"/>
+          </a:ln>
+        </p:spPr>
+        <p:style>
+          <a:lnRef idx="1">
+            <a:schemeClr val="accent1"/>
+          </a:lnRef>
+          <a:fillRef idx="0">
+            <a:schemeClr val="accent1"/>
+          </a:fillRef>
+          <a:effectRef idx="0">
+            <a:schemeClr val="accent1"/>
+          </a:effectRef>
+          <a:fontRef idx="minor">
+            <a:schemeClr val="tx1"/>
+          </a:fontRef>
+        </p:style>
+      </p:cxnSp>
+      <p:cxnSp>
+        <p:nvCxnSpPr>
+          <p:cNvPr id="46" name="Straight Arrow Connector 45">
+            <a:extLst>
+              <a:ext uri="{FF2B5EF4-FFF2-40B4-BE49-F238E27FC236}">
+                <a16:creationId xmlns:a16="http://schemas.microsoft.com/office/drawing/2014/main" id="{426E9BCA-A7AD-E9E9-0AC0-8468473E27AD}"/>
+              </a:ext>
+            </a:extLst>
+          </p:cNvPr>
+          <p:cNvCxnSpPr>
+            <a:cxnSpLocks/>
+            <a:stCxn id="25" idx="0"/>
+          </p:cNvCxnSpPr>
+          <p:nvPr/>
+        </p:nvCxnSpPr>
+        <p:spPr>
+          <a:xfrm flipV="1">
+            <a:off x="2011274" y="4345257"/>
+            <a:ext cx="2080277" cy="1340123"/>
+          </a:xfrm>
+          <a:prstGeom prst="straightConnector1">
+            <a:avLst/>
+          </a:prstGeom>
+          <a:ln>
+            <a:solidFill>
+              <a:schemeClr val="bg1">
+                <a:lumMod val="50000"/>
+              </a:schemeClr>
+            </a:solidFill>
+            <a:tailEnd type="triangle"/>
+          </a:ln>
+        </p:spPr>
+        <p:style>
+          <a:lnRef idx="1">
+            <a:schemeClr val="accent1"/>
+          </a:lnRef>
+          <a:fillRef idx="0">
+            <a:schemeClr val="accent1"/>
+          </a:fillRef>
+          <a:effectRef idx="0">
+            <a:schemeClr val="accent1"/>
+          </a:effectRef>
+          <a:fontRef idx="minor">
+            <a:schemeClr val="tx1"/>
+          </a:fontRef>
+        </p:style>
+      </p:cxnSp>
+      <p:cxnSp>
+        <p:nvCxnSpPr>
+          <p:cNvPr id="49" name="Straight Connector 48">
+            <a:extLst>
+              <a:ext uri="{FF2B5EF4-FFF2-40B4-BE49-F238E27FC236}">
+                <a16:creationId xmlns:a16="http://schemas.microsoft.com/office/drawing/2014/main" id="{6625A548-CFC5-07C4-AF92-FF60898E0B7F}"/>
+              </a:ext>
+            </a:extLst>
+          </p:cNvPr>
+          <p:cNvCxnSpPr>
+            <a:cxnSpLocks/>
+          </p:cNvCxnSpPr>
+          <p:nvPr/>
+        </p:nvCxnSpPr>
+        <p:spPr>
+          <a:xfrm flipV="1">
+            <a:off x="2424226" y="3845357"/>
+            <a:ext cx="1344076" cy="839924"/>
+          </a:xfrm>
+          <a:prstGeom prst="line">
+            <a:avLst/>
+          </a:prstGeom>
+          <a:ln>
+            <a:solidFill>
+              <a:schemeClr val="bg1">
+                <a:lumMod val="50000"/>
+              </a:schemeClr>
+            </a:solidFill>
+            <a:tailEnd type="none"/>
+          </a:ln>
+        </p:spPr>
+        <p:style>
+          <a:lnRef idx="1">
+            <a:schemeClr val="accent1"/>
+          </a:lnRef>
+          <a:fillRef idx="0">
+            <a:schemeClr val="accent1"/>
+          </a:fillRef>
+          <a:effectRef idx="0">
+            <a:schemeClr val="accent1"/>
+          </a:effectRef>
+          <a:fontRef idx="minor">
+            <a:schemeClr val="tx1"/>
+          </a:fontRef>
+        </p:style>
+      </p:cxnSp>
+      <p:cxnSp>
+        <p:nvCxnSpPr>
+          <p:cNvPr id="52" name="Straight Connector 51">
+            <a:extLst>
+              <a:ext uri="{FF2B5EF4-FFF2-40B4-BE49-F238E27FC236}">
+                <a16:creationId xmlns:a16="http://schemas.microsoft.com/office/drawing/2014/main" id="{665E1B84-1755-DF42-1449-2E0007FF1A05}"/>
+              </a:ext>
+            </a:extLst>
+          </p:cNvPr>
+          <p:cNvCxnSpPr>
+            <a:stCxn id="22" idx="3"/>
+            <a:endCxn id="31" idx="1"/>
+          </p:cNvCxnSpPr>
+          <p:nvPr/>
+        </p:nvCxnSpPr>
+        <p:spPr>
+          <a:xfrm>
+            <a:off x="7402064" y="3682916"/>
+            <a:ext cx="1874922" cy="1384303"/>
+          </a:xfrm>
+          <a:prstGeom prst="line">
+            <a:avLst/>
+          </a:prstGeom>
+          <a:ln>
+            <a:solidFill>
+              <a:schemeClr val="bg1">
+                <a:lumMod val="50000"/>
+              </a:schemeClr>
+            </a:solidFill>
+            <a:tailEnd type="none"/>
+          </a:ln>
+        </p:spPr>
+        <p:style>
+          <a:lnRef idx="1">
+            <a:schemeClr val="accent1"/>
+          </a:lnRef>
+          <a:fillRef idx="0">
+            <a:schemeClr val="accent1"/>
+          </a:fillRef>
+          <a:effectRef idx="0">
+            <a:schemeClr val="accent1"/>
+          </a:effectRef>
+          <a:fontRef idx="minor">
+            <a:schemeClr val="tx1"/>
+          </a:fontRef>
+        </p:style>
+      </p:cxnSp>
     </p:spTree>
     <p:extLst>
       <p:ext uri="{BB962C8B-B14F-4D97-AF65-F5344CB8AC3E}">
@@ -20972,7 +22678,7 @@
 </p:sld>
 </file>
 
-<file path=ppt/slides/slide7.xml><?xml version="1.0" encoding="utf-8"?>
+<file path=ppt/slides/slide8.xml><?xml version="1.0" encoding="utf-8"?>
 <p:sld xmlns:a="http://schemas.openxmlformats.org/drawingml/2006/main" xmlns:r="http://schemas.openxmlformats.org/officeDocument/2006/relationships" xmlns:p="http://schemas.openxmlformats.org/presentationml/2006/main">
   <p:cSld>
     <p:spTree>
@@ -24471,7 +26177,7 @@
 </p:sld>
 </file>
 
-<file path=ppt/slides/slide8.xml><?xml version="1.0" encoding="utf-8"?>
+<file path=ppt/slides/slide9.xml><?xml version="1.0" encoding="utf-8"?>
 <p:sld xmlns:a="http://schemas.openxmlformats.org/drawingml/2006/main" xmlns:r="http://schemas.openxmlformats.org/officeDocument/2006/relationships" xmlns:p="http://schemas.openxmlformats.org/presentationml/2006/main">
   <p:cSld>
     <p:spTree>
@@ -25148,93 +26854,6 @@
     <p:extLst>
       <p:ext uri="{BB962C8B-B14F-4D97-AF65-F5344CB8AC3E}">
         <p14:creationId xmlns:p14="http://schemas.microsoft.com/office/powerpoint/2010/main" val="3652782612"/>
-      </p:ext>
-    </p:extLst>
-  </p:cSld>
-  <p:clrMapOvr>
-    <a:masterClrMapping/>
-  </p:clrMapOvr>
-</p:sld>
-</file>
-
-<file path=ppt/slides/slide9.xml><?xml version="1.0" encoding="utf-8"?>
-<p:sld xmlns:a="http://schemas.openxmlformats.org/drawingml/2006/main" xmlns:r="http://schemas.openxmlformats.org/officeDocument/2006/relationships" xmlns:p="http://schemas.openxmlformats.org/presentationml/2006/main">
-  <p:cSld>
-    <p:spTree>
-      <p:nvGrpSpPr>
-        <p:cNvPr id="1" name=""/>
-        <p:cNvGrpSpPr/>
-        <p:nvPr/>
-      </p:nvGrpSpPr>
-      <p:grpSpPr>
-        <a:xfrm>
-          <a:off x="0" y="0"/>
-          <a:ext cx="0" cy="0"/>
-          <a:chOff x="0" y="0"/>
-          <a:chExt cx="0" cy="0"/>
-        </a:xfrm>
-      </p:grpSpPr>
-      <p:sp>
-        <p:nvSpPr>
-          <p:cNvPr id="2" name="제목 1">
-            <a:extLst>
-              <a:ext uri="{FF2B5EF4-FFF2-40B4-BE49-F238E27FC236}">
-                <a16:creationId xmlns:a16="http://schemas.microsoft.com/office/drawing/2014/main" id="{89468A2C-6A19-C11C-81E6-EA7C9F5E0681}"/>
-              </a:ext>
-            </a:extLst>
-          </p:cNvPr>
-          <p:cNvSpPr>
-            <a:spLocks noGrp="1"/>
-          </p:cNvSpPr>
-          <p:nvPr>
-            <p:ph type="title"/>
-          </p:nvPr>
-        </p:nvSpPr>
-        <p:spPr/>
-        <p:txBody>
-          <a:bodyPr/>
-          <a:lstStyle/>
-          <a:p>
-            <a:r>
-              <a:rPr lang="en-US" altLang="ko-KR" dirty="0"/>
-              <a:t>6. </a:t>
-            </a:r>
-            <a:r>
-              <a:rPr lang="ko-KR" altLang="en-US" dirty="0"/>
-              <a:t>요구사항 검토 체크리스트</a:t>
-            </a:r>
-          </a:p>
-        </p:txBody>
-      </p:sp>
-      <p:sp>
-        <p:nvSpPr>
-          <p:cNvPr id="3" name="텍스트 개체 틀 2">
-            <a:extLst>
-              <a:ext uri="{FF2B5EF4-FFF2-40B4-BE49-F238E27FC236}">
-                <a16:creationId xmlns:a16="http://schemas.microsoft.com/office/drawing/2014/main" id="{6B27578D-77DB-BD75-A1D0-F41CACC63750}"/>
-              </a:ext>
-            </a:extLst>
-          </p:cNvPr>
-          <p:cNvSpPr>
-            <a:spLocks noGrp="1"/>
-          </p:cNvSpPr>
-          <p:nvPr>
-            <p:ph type="body" sz="quarter" idx="10"/>
-          </p:nvPr>
-        </p:nvSpPr>
-        <p:spPr/>
-        <p:txBody>
-          <a:bodyPr/>
-          <a:lstStyle/>
-          <a:p>
-            <a:endParaRPr lang="ko-KR" altLang="en-US"/>
-          </a:p>
-        </p:txBody>
-      </p:sp>
-    </p:spTree>
-    <p:extLst>
-      <p:ext uri="{BB962C8B-B14F-4D97-AF65-F5344CB8AC3E}">
-        <p14:creationId xmlns:p14="http://schemas.microsoft.com/office/powerpoint/2010/main" val="836117145"/>
       </p:ext>
     </p:extLst>
   </p:cSld>

--- a/01_요구사항 실습/SW 요구사항 분석 및 설계_실습_5조.pptx
+++ b/01_요구사항 실습/SW 요구사항 분석 및 설계_실습_5조.pptx
@@ -22100,7 +22100,7 @@
                 <a:latin typeface="프리젠테이션 7 Bold" pitchFamily="2" charset="-127"/>
                 <a:ea typeface="프리젠테이션 7 Bold" pitchFamily="2" charset="-127"/>
               </a:rPr>
-              <a:t>  </a:t>
+              <a:t> 알림  </a:t>
             </a:r>
             <a:endParaRPr lang="en-KR" sz="3200" dirty="0">
               <a:solidFill>
@@ -22766,14 +22766,14 @@
           <p:nvPr>
             <p:extLst>
               <p:ext uri="{D42A27DB-BD31-4B8C-83A1-F6EECF244321}">
-                <p14:modId xmlns:p14="http://schemas.microsoft.com/office/powerpoint/2010/main" val="3003549151"/>
+                <p14:modId xmlns:p14="http://schemas.microsoft.com/office/powerpoint/2010/main" val="2683235419"/>
               </p:ext>
             </p:extLst>
           </p:nvPr>
         </p:nvGraphicFramePr>
         <p:xfrm>
-          <a:off x="485458" y="760169"/>
-          <a:ext cx="11170248" cy="5683242"/>
+          <a:off x="742950" y="1017345"/>
+          <a:ext cx="10472737" cy="5194738"/>
         </p:xfrm>
         <a:graphic>
           <a:graphicData uri="http://schemas.openxmlformats.org/drawingml/2006/table">
@@ -22782,21 +22782,21 @@
                 <a:tableStyleId>{2D5ABB26-0587-4C30-8999-92F81FD0307C}</a:tableStyleId>
               </a:tblPr>
               <a:tblGrid>
-                <a:gridCol w="2315615">
+                <a:gridCol w="2171019">
                   <a:extLst>
                     <a:ext uri="{9D8B030D-6E8A-4147-A177-3AD203B41FA5}">
                       <a16:colId xmlns:a16="http://schemas.microsoft.com/office/drawing/2014/main" val="20000"/>
                     </a:ext>
                   </a:extLst>
                 </a:gridCol>
-                <a:gridCol w="4795210">
+                <a:gridCol w="4495780">
                   <a:extLst>
                     <a:ext uri="{9D8B030D-6E8A-4147-A177-3AD203B41FA5}">
                       <a16:colId xmlns:a16="http://schemas.microsoft.com/office/drawing/2014/main" val="20001"/>
                     </a:ext>
                   </a:extLst>
                 </a:gridCol>
-                <a:gridCol w="4059423">
+                <a:gridCol w="3805938">
                   <a:extLst>
                     <a:ext uri="{9D8B030D-6E8A-4147-A177-3AD203B41FA5}">
                       <a16:colId xmlns:a16="http://schemas.microsoft.com/office/drawing/2014/main" val="2582341048"/>
@@ -22804,7 +22804,7 @@
                   </a:extLst>
                 </a:gridCol>
               </a:tblGrid>
-              <a:tr h="269513">
+              <a:tr h="235608">
                 <a:tc>
                   <a:txBody>
                     <a:bodyPr/>
@@ -22888,7 +22888,7 @@
                           <a:latin typeface="맑은 고딕"/>
                           <a:cs typeface="맑은 고딕"/>
                         </a:rPr>
-                        <a:t>UC-0001</a:t>
+                        <a:t>UC-0022</a:t>
                       </a:r>
                     </a:p>
                   </a:txBody>
@@ -22928,7 +22928,17 @@
                       <a:endParaRPr lang="ko-KR" altLang="en-US"/>
                     </a:p>
                   </a:txBody>
-                  <a:tcPr/>
+                  <a:tcPr>
+                    <a:lnL w="9525" cap="flat" cmpd="sng" algn="ctr">
+                      <a:solidFill>
+                        <a:srgbClr val="000000"/>
+                      </a:solidFill>
+                      <a:prstDash val="solid"/>
+                      <a:round/>
+                      <a:headEnd type="none" w="med" len="med"/>
+                      <a:tailEnd type="none" w="med" len="med"/>
+                    </a:lnL>
+                  </a:tcPr>
                 </a:tc>
                 <a:extLst>
                   <a:ext uri="{0D108BD9-81ED-4DB2-BD59-A6C34878D82A}">
@@ -22936,7 +22946,7 @@
                   </a:ext>
                 </a:extLst>
               </a:tr>
-              <a:tr h="269513">
+              <a:tr h="235608">
                 <a:tc>
                   <a:txBody>
                     <a:bodyPr/>
@@ -23020,43 +23030,59 @@
                     <a:bodyPr/>
                     <a:lstStyle/>
                     <a:p>
-                      <a:pPr marL="67945">
+                      <a:pPr marL="67945" marR="0" lvl="0" indent="0" algn="l" defTabSz="914400" rtl="0" eaLnBrk="1" fontAlgn="auto" latinLnBrk="1" hangingPunct="1">
                         <a:lnSpc>
                           <a:spcPct val="100000"/>
                         </a:lnSpc>
                         <a:spcBef>
                           <a:spcPts val="465"/>
                         </a:spcBef>
+                        <a:spcAft>
+                          <a:spcPts val="0"/>
+                        </a:spcAft>
+                        <a:buClrTx/>
+                        <a:buSzTx/>
+                        <a:buFontTx/>
+                        <a:buNone/>
+                        <a:tabLst/>
+                        <a:defRPr/>
                       </a:pPr>
                       <a:r>
                         <a:rPr lang="ko-KR" altLang="en-US" sz="1200" dirty="0">
                           <a:latin typeface="맑은 고딕"/>
                           <a:cs typeface="맑은 고딕"/>
                         </a:rPr>
-                        <a:t>메신저를 사용하기 위해 로그인을 하거나</a:t>
+                        <a:t>전자 </a:t>
                       </a:r>
                       <a:r>
-                        <a:rPr lang="en-US" altLang="ko-KR" sz="1200" dirty="0">
+                        <a:rPr lang="ko-KR" altLang="en-US" sz="1200" dirty="0" err="1">
                           <a:latin typeface="맑은 고딕"/>
                           <a:cs typeface="맑은 고딕"/>
                         </a:rPr>
-                        <a:t>, </a:t>
+                        <a:t>차일드</a:t>
                       </a:r>
                       <a:r>
                         <a:rPr lang="ko-KR" altLang="en-US" sz="1200" dirty="0">
                           <a:latin typeface="맑은 고딕"/>
                           <a:cs typeface="맑은 고딕"/>
                         </a:rPr>
-                        <a:t>메신저 사용 종료를 위해 로그아웃을 한다</a:t>
+                        <a:t> </a:t>
                       </a:r>
                       <a:r>
-                        <a:rPr lang="en-US" altLang="ko-KR" sz="1200" dirty="0">
+                        <a:rPr lang="ko-KR" altLang="en-US" sz="1200" dirty="0" err="1">
                           <a:latin typeface="맑은 고딕"/>
                           <a:cs typeface="맑은 고딕"/>
                         </a:rPr>
-                        <a:t>.</a:t>
+                        <a:t>락</a:t>
                       </a:r>
-                      <a:endParaRPr lang="en-US" sz="1200" dirty="0">
+                      <a:r>
+                        <a:rPr lang="ko-KR" altLang="en-US" sz="1200" dirty="0">
+                          <a:latin typeface="맑은 고딕"/>
+                          <a:cs typeface="맑은 고딕"/>
+                        </a:rPr>
+                        <a:t> 알림</a:t>
+                      </a:r>
+                      <a:endParaRPr lang="en-US" altLang="ko-KR" sz="1200" dirty="0">
                         <a:latin typeface="맑은 고딕"/>
                         <a:cs typeface="맑은 고딕"/>
                       </a:endParaRPr>
@@ -23104,7 +23130,17 @@
                       <a:endParaRPr lang="ko-KR" altLang="en-US"/>
                     </a:p>
                   </a:txBody>
-                  <a:tcPr/>
+                  <a:tcPr>
+                    <a:lnL w="9525" cap="flat" cmpd="sng" algn="ctr">
+                      <a:solidFill>
+                        <a:srgbClr val="000000"/>
+                      </a:solidFill>
+                      <a:prstDash val="solid"/>
+                      <a:round/>
+                      <a:headEnd type="none" w="med" len="med"/>
+                      <a:tailEnd type="none" w="med" len="med"/>
+                    </a:lnL>
+                  </a:tcPr>
                 </a:tc>
                 <a:extLst>
                   <a:ext uri="{0D108BD9-81ED-4DB2-BD59-A6C34878D82A}">
@@ -23112,7 +23148,7 @@
                   </a:ext>
                 </a:extLst>
               </a:tr>
-              <a:tr h="269513">
+              <a:tr h="235608">
                 <a:tc>
                   <a:txBody>
                     <a:bodyPr/>
@@ -23218,7 +23254,56 @@
                           <a:latin typeface="맑은 고딕"/>
                           <a:cs typeface="맑은 고딕"/>
                         </a:rPr>
-                        <a:t>로그인 및 로그아웃</a:t>
+                        <a:t>전자 </a:t>
+                      </a:r>
+                      <a:r>
+                        <a:rPr lang="ko-KR" altLang="en-US" sz="1200" dirty="0" err="1">
+                          <a:latin typeface="맑은 고딕"/>
+                          <a:cs typeface="맑은 고딕"/>
+                        </a:rPr>
+                        <a:t>차일드</a:t>
+                      </a:r>
+                      <a:r>
+                        <a:rPr lang="ko-KR" altLang="en-US" sz="1200" dirty="0">
+                          <a:latin typeface="맑은 고딕"/>
+                          <a:cs typeface="맑은 고딕"/>
+                        </a:rPr>
+                        <a:t> </a:t>
+                      </a:r>
+                      <a:r>
+                        <a:rPr lang="ko-KR" altLang="en-US" sz="1200" dirty="0" err="1">
+                          <a:latin typeface="맑은 고딕"/>
+                          <a:cs typeface="맑은 고딕"/>
+                        </a:rPr>
+                        <a:t>락의</a:t>
+                      </a:r>
+                      <a:r>
+                        <a:rPr lang="ko-KR" altLang="en-US" sz="1200" dirty="0">
+                          <a:latin typeface="맑은 고딕"/>
+                          <a:cs typeface="맑은 고딕"/>
+                        </a:rPr>
+                        <a:t> </a:t>
+                      </a:r>
+                      <a:r>
+                        <a:rPr lang="en-US" altLang="ko-KR" sz="1200" dirty="0">
+                          <a:latin typeface="맑은 고딕"/>
+                          <a:cs typeface="맑은 고딕"/>
+                        </a:rPr>
+                        <a:t>ON/OFF</a:t>
+                      </a:r>
+                      <a:r>
+                        <a:rPr lang="ko-KR" altLang="en-US" sz="1200" dirty="0" err="1">
+                          <a:latin typeface="맑은 고딕"/>
+                          <a:cs typeface="맑은 고딕"/>
+                        </a:rPr>
+                        <a:t>에</a:t>
+                      </a:r>
+                      <a:r>
+                        <a:rPr lang="ko-KR" altLang="en-US" sz="1200" dirty="0">
+                          <a:latin typeface="맑은 고딕"/>
+                          <a:cs typeface="맑은 고딕"/>
+                        </a:rPr>
+                        <a:t> 따라 운전자에게 알림을 주는 시스템</a:t>
                       </a:r>
                       <a:endParaRPr lang="en-US" altLang="ko-KR" sz="1200" dirty="0">
                         <a:latin typeface="맑은 고딕"/>
@@ -23268,7 +23353,17 @@
                       <a:endParaRPr lang="ko-KR" altLang="en-US"/>
                     </a:p>
                   </a:txBody>
-                  <a:tcPr/>
+                  <a:tcPr>
+                    <a:lnL w="9525" cap="flat" cmpd="sng" algn="ctr">
+                      <a:solidFill>
+                        <a:srgbClr val="000000"/>
+                      </a:solidFill>
+                      <a:prstDash val="solid"/>
+                      <a:round/>
+                      <a:headEnd type="none" w="med" len="med"/>
+                      <a:tailEnd type="none" w="med" len="med"/>
+                    </a:lnL>
+                  </a:tcPr>
                 </a:tc>
                 <a:extLst>
                   <a:ext uri="{0D108BD9-81ED-4DB2-BD59-A6C34878D82A}">
@@ -23276,7 +23371,7 @@
                   </a:ext>
                 </a:extLst>
               </a:tr>
-              <a:tr h="257850">
+              <a:tr h="229003">
                 <a:tc>
                   <a:txBody>
                     <a:bodyPr/>
@@ -23353,7 +23448,7 @@
                           <a:latin typeface="맑은 고딕"/>
                           <a:cs typeface="맑은 고딕"/>
                         </a:rPr>
-                        <a:t>프로그램을 실행시킨다</a:t>
+                        <a:t>자동차에 전원이 공급 중이어야 함</a:t>
                       </a:r>
                       <a:r>
                         <a:rPr lang="en-US" altLang="ko-KR" sz="1200" dirty="0">
@@ -23404,7 +23499,17 @@
                       <a:endParaRPr lang="ko-KR" altLang="en-US"/>
                     </a:p>
                   </a:txBody>
-                  <a:tcPr/>
+                  <a:tcPr>
+                    <a:lnL w="9525" cap="flat" cmpd="sng" algn="ctr">
+                      <a:solidFill>
+                        <a:srgbClr val="000000"/>
+                      </a:solidFill>
+                      <a:prstDash val="solid"/>
+                      <a:round/>
+                      <a:headEnd type="none" w="med" len="med"/>
+                      <a:tailEnd type="none" w="med" len="med"/>
+                    </a:lnL>
+                  </a:tcPr>
                 </a:tc>
                 <a:extLst>
                   <a:ext uri="{0D108BD9-81ED-4DB2-BD59-A6C34878D82A}">
@@ -23412,7 +23517,7 @@
                   </a:ext>
                 </a:extLst>
               </a:tr>
-              <a:tr h="298212">
+              <a:tr h="260696">
                 <a:tc>
                   <a:txBody>
                     <a:bodyPr/>
@@ -23489,7 +23594,49 @@
                           <a:latin typeface="맑은 고딕"/>
                           <a:cs typeface="맑은 고딕"/>
                         </a:rPr>
-                        <a:t>메인 화면이 실행된다</a:t>
+                        <a:t>전자 </a:t>
+                      </a:r>
+                      <a:r>
+                        <a:rPr lang="ko-KR" altLang="en-US" sz="1200" dirty="0" err="1">
+                          <a:latin typeface="맑은 고딕"/>
+                          <a:cs typeface="맑은 고딕"/>
+                        </a:rPr>
+                        <a:t>차일드</a:t>
+                      </a:r>
+                      <a:r>
+                        <a:rPr lang="ko-KR" altLang="en-US" sz="1200" dirty="0">
+                          <a:latin typeface="맑은 고딕"/>
+                          <a:cs typeface="맑은 고딕"/>
+                        </a:rPr>
+                        <a:t> </a:t>
+                      </a:r>
+                      <a:r>
+                        <a:rPr lang="ko-KR" altLang="en-US" sz="1200" dirty="0" err="1">
+                          <a:latin typeface="맑은 고딕"/>
+                          <a:cs typeface="맑은 고딕"/>
+                        </a:rPr>
+                        <a:t>락과</a:t>
+                      </a:r>
+                      <a:r>
+                        <a:rPr lang="ko-KR" altLang="en-US" sz="1200" dirty="0">
+                          <a:latin typeface="맑은 고딕"/>
+                          <a:cs typeface="맑은 고딕"/>
+                        </a:rPr>
+                        <a:t> 클러스터 그리고 </a:t>
+                      </a:r>
+                      <a:r>
+                        <a:rPr lang="ko-KR" altLang="en-US" sz="1200" dirty="0" err="1">
+                          <a:latin typeface="맑은 고딕"/>
+                          <a:cs typeface="맑은 고딕"/>
+                        </a:rPr>
+                        <a:t>후측방</a:t>
+                      </a:r>
+                      <a:r>
+                        <a:rPr lang="ko-KR" altLang="en-US" sz="1200" dirty="0">
+                          <a:latin typeface="맑은 고딕"/>
+                          <a:cs typeface="맑은 고딕"/>
+                        </a:rPr>
+                        <a:t> 레이더 센서가 작동해야 함</a:t>
                       </a:r>
                       <a:r>
                         <a:rPr lang="en-US" altLang="ko-KR" sz="1200" dirty="0">
@@ -23540,7 +23687,17 @@
                       <a:endParaRPr lang="ko-KR" altLang="en-US"/>
                     </a:p>
                   </a:txBody>
-                  <a:tcPr/>
+                  <a:tcPr>
+                    <a:lnL w="9525" cap="flat" cmpd="sng" algn="ctr">
+                      <a:solidFill>
+                        <a:srgbClr val="000000"/>
+                      </a:solidFill>
+                      <a:prstDash val="solid"/>
+                      <a:round/>
+                      <a:headEnd type="none" w="med" len="med"/>
+                      <a:tailEnd type="none" w="med" len="med"/>
+                    </a:lnL>
+                  </a:tcPr>
                 </a:tc>
                 <a:extLst>
                   <a:ext uri="{0D108BD9-81ED-4DB2-BD59-A6C34878D82A}">
@@ -23548,7 +23705,7 @@
                   </a:ext>
                 </a:extLst>
               </a:tr>
-              <a:tr h="269513">
+              <a:tr h="235608">
                 <a:tc>
                   <a:txBody>
                     <a:bodyPr/>
@@ -23625,7 +23782,49 @@
                           <a:latin typeface="맑은 고딕"/>
                           <a:cs typeface="맑은 고딕"/>
                         </a:rPr>
-                        <a:t>로그인 버튼 클릭</a:t>
+                        <a:t>운전자가 전자 </a:t>
+                      </a:r>
+                      <a:r>
+                        <a:rPr lang="ko-KR" altLang="en-US" sz="1200" dirty="0" err="1">
+                          <a:latin typeface="맑은 고딕"/>
+                          <a:cs typeface="맑은 고딕"/>
+                        </a:rPr>
+                        <a:t>차일드</a:t>
+                      </a:r>
+                      <a:r>
+                        <a:rPr lang="ko-KR" altLang="en-US" sz="1200" dirty="0">
+                          <a:latin typeface="맑은 고딕"/>
+                          <a:cs typeface="맑은 고딕"/>
+                        </a:rPr>
+                        <a:t> </a:t>
+                      </a:r>
+                      <a:r>
+                        <a:rPr lang="ko-KR" altLang="en-US" sz="1200" dirty="0" err="1">
+                          <a:latin typeface="맑은 고딕"/>
+                          <a:cs typeface="맑은 고딕"/>
+                        </a:rPr>
+                        <a:t>락을</a:t>
+                      </a:r>
+                      <a:r>
+                        <a:rPr lang="ko-KR" altLang="en-US" sz="1200" dirty="0">
+                          <a:latin typeface="맑은 고딕"/>
+                          <a:cs typeface="맑은 고딕"/>
+                        </a:rPr>
+                        <a:t> 작동을 시작함</a:t>
+                      </a:r>
+                      <a:r>
+                        <a:rPr lang="en-US" altLang="ko-KR" sz="1200" dirty="0">
+                          <a:latin typeface="맑은 고딕"/>
+                          <a:cs typeface="맑은 고딕"/>
+                        </a:rPr>
+                        <a:t>.</a:t>
+                      </a:r>
+                      <a:r>
+                        <a:rPr lang="ko-KR" altLang="en-US" sz="1200" dirty="0">
+                          <a:latin typeface="맑은 고딕"/>
+                          <a:cs typeface="맑은 고딕"/>
+                        </a:rPr>
+                        <a:t> </a:t>
                       </a:r>
                       <a:endParaRPr sz="1200" dirty="0">
                         <a:latin typeface="맑은 고딕"/>
@@ -23669,7 +23868,17 @@
                       <a:endParaRPr lang="ko-KR" altLang="en-US"/>
                     </a:p>
                   </a:txBody>
-                  <a:tcPr/>
+                  <a:tcPr>
+                    <a:lnL w="9525" cap="flat" cmpd="sng" algn="ctr">
+                      <a:solidFill>
+                        <a:srgbClr val="000000"/>
+                      </a:solidFill>
+                      <a:prstDash val="solid"/>
+                      <a:round/>
+                      <a:headEnd type="none" w="med" len="med"/>
+                      <a:tailEnd type="none" w="med" len="med"/>
+                    </a:lnL>
+                  </a:tcPr>
                 </a:tc>
                 <a:extLst>
                   <a:ext uri="{0D108BD9-81ED-4DB2-BD59-A6C34878D82A}">
@@ -23677,7 +23886,7 @@
                   </a:ext>
                 </a:extLst>
               </a:tr>
-              <a:tr h="269513">
+              <a:tr h="235608">
                 <a:tc>
                   <a:txBody>
                     <a:bodyPr/>
@@ -23827,7 +24036,35 @@
                           <a:latin typeface="맑은 고딕"/>
                           <a:cs typeface="맑은 고딕"/>
                         </a:rPr>
-                        <a:t>시스템</a:t>
+                        <a:t>전자 </a:t>
+                      </a:r>
+                      <a:r>
+                        <a:rPr lang="ko-KR" altLang="en-US" sz="1200" b="1" dirty="0" err="1">
+                          <a:latin typeface="맑은 고딕"/>
+                          <a:cs typeface="맑은 고딕"/>
+                        </a:rPr>
+                        <a:t>차일드</a:t>
+                      </a:r>
+                      <a:r>
+                        <a:rPr lang="ko-KR" altLang="en-US" sz="1200" b="1" dirty="0">
+                          <a:latin typeface="맑은 고딕"/>
+                          <a:cs typeface="맑은 고딕"/>
+                        </a:rPr>
+                        <a:t> </a:t>
+                      </a:r>
+                      <a:r>
+                        <a:rPr lang="ko-KR" altLang="en-US" sz="1200" b="1" dirty="0" err="1">
+                          <a:latin typeface="맑은 고딕"/>
+                          <a:cs typeface="맑은 고딕"/>
+                        </a:rPr>
+                        <a:t>락</a:t>
+                      </a:r>
+                      <a:r>
+                        <a:rPr lang="ko-KR" altLang="en-US" sz="1200" b="1" dirty="0">
+                          <a:latin typeface="맑은 고딕"/>
+                          <a:cs typeface="맑은 고딕"/>
+                        </a:rPr>
+                        <a:t> 시스템</a:t>
                       </a:r>
                       <a:endParaRPr sz="1200" b="1" dirty="0">
                         <a:latin typeface="맑은 고딕"/>
@@ -23851,15 +24088,6 @@
                       </a:solidFill>
                       <a:prstDash val="solid"/>
                     </a:lnR>
-                    <a:lnT w="9525" cap="flat" cmpd="sng" algn="ctr">
-                      <a:solidFill>
-                        <a:srgbClr val="000000"/>
-                      </a:solidFill>
-                      <a:prstDash val="solid"/>
-                      <a:round/>
-                      <a:headEnd type="none" w="med" len="med"/>
-                      <a:tailEnd type="none" w="med" len="med"/>
-                    </a:lnT>
                     <a:lnB w="9525" cap="flat" cmpd="sng" algn="ctr">
                       <a:solidFill>
                         <a:srgbClr val="000000"/>
@@ -23882,8 +24110,8 @@
                   </a:ext>
                 </a:extLst>
               </a:tr>
-              <a:tr h="269513">
-                <a:tc rowSpan="5">
+              <a:tr h="235608">
+                <a:tc rowSpan="4">
                   <a:txBody>
                     <a:bodyPr/>
                     <a:lstStyle/>
@@ -23930,17 +24158,23 @@
                       </a:solidFill>
                       <a:prstDash val="solid"/>
                     </a:lnL>
-                    <a:lnR w="9525">
+                    <a:lnR w="9525" cap="flat" cmpd="sng" algn="ctr">
                       <a:solidFill>
                         <a:srgbClr val="000000"/>
                       </a:solidFill>
                       <a:prstDash val="solid"/>
+                      <a:round/>
+                      <a:headEnd type="none" w="med" len="med"/>
+                      <a:tailEnd type="none" w="med" len="med"/>
                     </a:lnR>
-                    <a:lnT w="9525">
+                    <a:lnT w="9525" cap="flat" cmpd="sng" algn="ctr">
                       <a:solidFill>
                         <a:srgbClr val="000000"/>
                       </a:solidFill>
                       <a:prstDash val="solid"/>
+                      <a:round/>
+                      <a:headEnd type="none" w="med" len="med"/>
+                      <a:tailEnd type="none" w="med" len="med"/>
                     </a:lnT>
                     <a:lnB w="9525">
                       <a:solidFill>
@@ -23973,18 +24207,60 @@
                         </a:tabLst>
                       </a:pPr>
                       <a:r>
-                        <a:rPr lang="en-US" sz="1200" dirty="0">
+                        <a:rPr lang="en-US" altLang="ko-KR" sz="1200" dirty="0">
                           <a:latin typeface="맑은 고딕"/>
                           <a:cs typeface="맑은 고딕"/>
                         </a:rPr>
-                        <a:t>1. </a:t>
+                        <a:t>1.</a:t>
                       </a:r>
                       <a:r>
                         <a:rPr lang="ko-KR" altLang="en-US" sz="1200" dirty="0">
                           <a:latin typeface="맑은 고딕"/>
                           <a:cs typeface="맑은 고딕"/>
                         </a:rPr>
-                        <a:t>사용자가 시동 버튼을 누른다</a:t>
+                        <a:t> 전자 </a:t>
+                      </a:r>
+                      <a:r>
+                        <a:rPr lang="ko-KR" altLang="en-US" sz="1200" dirty="0" err="1">
+                          <a:latin typeface="맑은 고딕"/>
+                          <a:cs typeface="맑은 고딕"/>
+                        </a:rPr>
+                        <a:t>차일드</a:t>
+                      </a:r>
+                      <a:r>
+                        <a:rPr lang="ko-KR" altLang="en-US" sz="1200" dirty="0">
+                          <a:latin typeface="맑은 고딕"/>
+                          <a:cs typeface="맑은 고딕"/>
+                        </a:rPr>
+                        <a:t> </a:t>
+                      </a:r>
+                      <a:r>
+                        <a:rPr lang="ko-KR" altLang="en-US" sz="1200" dirty="0" err="1">
+                          <a:latin typeface="맑은 고딕"/>
+                          <a:cs typeface="맑은 고딕"/>
+                        </a:rPr>
+                        <a:t>락이</a:t>
+                      </a:r>
+                      <a:r>
+                        <a:rPr lang="ko-KR" altLang="en-US" sz="1200" dirty="0">
+                          <a:latin typeface="맑은 고딕"/>
+                          <a:cs typeface="맑은 고딕"/>
+                        </a:rPr>
+                        <a:t> </a:t>
+                      </a:r>
+                      <a:r>
+                        <a:rPr lang="en-US" altLang="ko-KR" sz="1200" dirty="0">
+                          <a:latin typeface="맑은 고딕"/>
+                          <a:cs typeface="맑은 고딕"/>
+                        </a:rPr>
+                        <a:t>OFF</a:t>
+                      </a:r>
+                      <a:r>
+                        <a:rPr lang="ko-KR" altLang="en-US" sz="1200" dirty="0">
+                          <a:latin typeface="맑은 고딕"/>
+                          <a:cs typeface="맑은 고딕"/>
+                        </a:rPr>
+                        <a:t> 되어 있음</a:t>
                       </a:r>
                       <a:endParaRPr sz="1200" dirty="0">
                         <a:latin typeface="맑은 고딕"/>
@@ -23993,11 +24269,14 @@
                     </a:p>
                   </a:txBody>
                   <a:tcPr marL="0" marR="0" marT="44450" marB="0">
-                    <a:lnL w="9525">
+                    <a:lnL w="9525" cap="flat" cmpd="sng" algn="ctr">
                       <a:solidFill>
                         <a:srgbClr val="000000"/>
                       </a:solidFill>
                       <a:prstDash val="solid"/>
+                      <a:round/>
+                      <a:headEnd type="none" w="med" len="med"/>
+                      <a:tailEnd type="none" w="med" len="med"/>
                     </a:lnL>
                     <a:lnR w="9525" cap="flat" cmpd="sng" algn="ctr">
                       <a:solidFill>
@@ -24008,11 +24287,14 @@
                       <a:headEnd type="none" w="med" len="med"/>
                       <a:tailEnd type="none" w="med" len="med"/>
                     </a:lnR>
-                    <a:lnT w="9525">
+                    <a:lnT w="9525" cap="flat" cmpd="sng" algn="ctr">
                       <a:solidFill>
                         <a:srgbClr val="000000"/>
                       </a:solidFill>
                       <a:prstDash val="solid"/>
+                      <a:round/>
+                      <a:headEnd type="none" w="med" len="med"/>
+                      <a:tailEnd type="none" w="med" len="med"/>
                     </a:lnT>
                     <a:lnB w="9525" cap="flat" cmpd="sng" algn="ctr">
                       <a:solidFill>
@@ -24047,21 +24329,28 @@
                           <a:latin typeface="맑은 고딕"/>
                           <a:cs typeface="맑은 고딕"/>
                         </a:rPr>
-                        <a:t>1A. </a:t>
+                        <a:t>1A.</a:t>
                       </a:r>
                       <a:r>
                         <a:rPr lang="ko-KR" altLang="en-US" sz="1200" dirty="0">
                           <a:latin typeface="맑은 고딕"/>
                           <a:cs typeface="맑은 고딕"/>
                         </a:rPr>
-                        <a:t>시스템은 전원을 인가하고</a:t>
+                        <a:t> </a:t>
                       </a:r>
                       <a:r>
-                        <a:rPr lang="en-US" altLang="ko-KR" sz="1200">
+                        <a:rPr lang="en-US" altLang="ko-KR" sz="1200" dirty="0">
                           <a:latin typeface="맑은 고딕"/>
                           <a:cs typeface="맑은 고딕"/>
                         </a:rPr>
-                        <a:t>…</a:t>
+                        <a:t>OFF</a:t>
+                      </a:r>
+                      <a:r>
+                        <a:rPr lang="ko-KR" altLang="en-US" sz="1200" dirty="0">
+                          <a:latin typeface="맑은 고딕"/>
+                          <a:cs typeface="맑은 고딕"/>
+                        </a:rPr>
+                        <a:t> 상태 유지</a:t>
                       </a:r>
                       <a:endParaRPr sz="1200" dirty="0">
                         <a:latin typeface="맑은 고딕"/>
@@ -24111,7 +24400,7 @@
                   </a:ext>
                 </a:extLst>
               </a:tr>
-              <a:tr h="269513">
+              <a:tr h="235608">
                 <a:tc vMerge="1">
                   <a:txBody>
                     <a:bodyPr/>
@@ -24141,13 +24430,34 @@
                         </a:tabLst>
                       </a:pPr>
                       <a:r>
-                        <a:rPr lang="en-US" sz="1200" dirty="0">
+                        <a:rPr lang="en-US" altLang="ko-KR" sz="1200" dirty="0">
                           <a:latin typeface="맑은 고딕"/>
                           <a:cs typeface="맑은 고딕"/>
                         </a:rPr>
                         <a:t>2.</a:t>
                       </a:r>
-                      <a:endParaRPr sz="1200" dirty="0">
+                      <a:r>
+                        <a:rPr lang="ko-KR" altLang="en-US" sz="1200" dirty="0">
+                          <a:latin typeface="맑은 고딕"/>
+                          <a:cs typeface="맑은 고딕"/>
+                        </a:rPr>
+                        <a:t> </a:t>
+                      </a:r>
+                      <a:r>
+                        <a:rPr lang="ko-KR" altLang="en-US" sz="1200" dirty="0" err="1">
+                          <a:latin typeface="맑은 고딕"/>
+                          <a:cs typeface="맑은 고딕"/>
+                        </a:rPr>
+                        <a:t>후측방</a:t>
+                      </a:r>
+                      <a:r>
+                        <a:rPr lang="ko-KR" altLang="en-US" sz="1200" dirty="0">
+                          <a:latin typeface="맑은 고딕"/>
+                          <a:cs typeface="맑은 고딕"/>
+                        </a:rPr>
+                        <a:t> 레이더 센서가 차량을 인식 함</a:t>
+                      </a:r>
+                      <a:endParaRPr lang="en-US" sz="1200" dirty="0">
                         <a:latin typeface="맑은 고딕"/>
                         <a:cs typeface="맑은 고딕"/>
                       </a:endParaRPr>
@@ -24216,6 +24526,20 @@
                         </a:rPr>
                         <a:t>2A</a:t>
                       </a:r>
+                      <a:r>
+                        <a:rPr lang="en-US" altLang="ko-KR" sz="1200" dirty="0">
+                          <a:latin typeface="맑은 고딕"/>
+                          <a:cs typeface="맑은 고딕"/>
+                        </a:rPr>
+                        <a:t>.</a:t>
+                      </a:r>
+                      <a:r>
+                        <a:rPr lang="ko-KR" altLang="en-US" sz="1200" dirty="0">
+                          <a:latin typeface="맑은 고딕"/>
+                          <a:cs typeface="맑은 고딕"/>
+                        </a:rPr>
+                        <a:t> 센서 값 데이터를 받아서 상태를 분류함</a:t>
+                      </a:r>
                       <a:endParaRPr sz="1200" dirty="0">
                         <a:latin typeface="맑은 고딕"/>
                         <a:cs typeface="맑은 고딕"/>
@@ -24267,7 +24591,7 @@
                   </a:ext>
                 </a:extLst>
               </a:tr>
-              <a:tr h="269513">
+              <a:tr h="235608">
                 <a:tc vMerge="1">
                   <a:txBody>
                     <a:bodyPr/>
@@ -24284,18 +24608,33 @@
                     <a:bodyPr/>
                     <a:lstStyle/>
                     <a:p>
-                      <a:pPr marL="240029" indent="-172720">
+                      <a:pPr marL="67309" indent="0">
                         <a:lnSpc>
                           <a:spcPts val="1430"/>
                         </a:lnSpc>
                         <a:spcBef>
                           <a:spcPts val="350"/>
                         </a:spcBef>
-                        <a:buAutoNum type="arabicPeriod"/>
+                        <a:buFontTx/>
+                        <a:buNone/>
                         <a:tabLst>
                           <a:tab pos="240665" algn="l"/>
                         </a:tabLst>
                       </a:pPr>
+                      <a:r>
+                        <a:rPr lang="en-US" altLang="ko-KR" sz="1200" dirty="0">
+                          <a:latin typeface="맑은 고딕"/>
+                          <a:cs typeface="맑은 고딕"/>
+                        </a:rPr>
+                        <a:t>3.</a:t>
+                      </a:r>
+                      <a:r>
+                        <a:rPr lang="ko-KR" altLang="en-US" sz="1200" dirty="0">
+                          <a:latin typeface="맑은 고딕"/>
+                          <a:cs typeface="맑은 고딕"/>
+                        </a:rPr>
+                        <a:t> 음성 알림과 클러스터 시스템 작동</a:t>
+                      </a:r>
                       <a:endParaRPr sz="1200" dirty="0">
                         <a:latin typeface="맑은 고딕"/>
                         <a:cs typeface="맑은 고딕"/>
@@ -24346,18 +24685,32 @@
                     <a:bodyPr/>
                     <a:lstStyle/>
                     <a:p>
-                      <a:pPr marL="240029" indent="-172720">
+                      <a:pPr marL="67309" indent="0">
                         <a:lnSpc>
                           <a:spcPts val="1430"/>
                         </a:lnSpc>
                         <a:spcBef>
                           <a:spcPts val="350"/>
                         </a:spcBef>
-                        <a:buAutoNum type="arabicPeriod"/>
+                        <a:buNone/>
                         <a:tabLst>
                           <a:tab pos="240665" algn="l"/>
                         </a:tabLst>
                       </a:pPr>
+                      <a:r>
+                        <a:rPr lang="en-US" altLang="ko-KR" sz="1200" dirty="0">
+                          <a:latin typeface="맑은 고딕"/>
+                          <a:cs typeface="맑은 고딕"/>
+                        </a:rPr>
+                        <a:t>3A. </a:t>
+                      </a:r>
+                      <a:r>
+                        <a:rPr lang="ko-KR" altLang="en-US" sz="1200" dirty="0">
+                          <a:latin typeface="맑은 고딕"/>
+                          <a:cs typeface="맑은 고딕"/>
+                        </a:rPr>
+                        <a:t>분류된 상태를 구분하여 알림 시스템 작동</a:t>
+                      </a:r>
                       <a:endParaRPr sz="1200" dirty="0">
                         <a:latin typeface="맑은 고딕"/>
                         <a:cs typeface="맑은 고딕"/>
@@ -24409,7 +24762,7 @@
                   </a:ext>
                 </a:extLst>
               </a:tr>
-              <a:tr h="269513">
+              <a:tr h="235608">
                 <a:tc vMerge="1">
                   <a:txBody>
                     <a:bodyPr/>
@@ -24426,18 +24779,74 @@
                     <a:bodyPr/>
                     <a:lstStyle/>
                     <a:p>
-                      <a:pPr marL="240029" indent="-172720">
+                      <a:pPr marL="67309" indent="0">
                         <a:lnSpc>
                           <a:spcPts val="1430"/>
                         </a:lnSpc>
                         <a:spcBef>
                           <a:spcPts val="350"/>
                         </a:spcBef>
-                        <a:buAutoNum type="arabicPeriod"/>
+                        <a:buNone/>
                         <a:tabLst>
                           <a:tab pos="240665" algn="l"/>
                         </a:tabLst>
                       </a:pPr>
+                      <a:r>
+                        <a:rPr lang="en-US" altLang="ko-KR" sz="1200" dirty="0">
+                          <a:latin typeface="맑은 고딕"/>
+                          <a:cs typeface="맑은 고딕"/>
+                        </a:rPr>
+                        <a:t>4.</a:t>
+                      </a:r>
+                      <a:r>
+                        <a:rPr lang="ko-KR" altLang="en-US" sz="1200" dirty="0">
+                          <a:latin typeface="맑은 고딕"/>
+                          <a:cs typeface="맑은 고딕"/>
+                        </a:rPr>
+                        <a:t> 운전자가 이를 인지하고 전자 </a:t>
+                      </a:r>
+                      <a:r>
+                        <a:rPr lang="ko-KR" altLang="en-US" sz="1200" dirty="0" err="1">
+                          <a:latin typeface="맑은 고딕"/>
+                          <a:cs typeface="맑은 고딕"/>
+                        </a:rPr>
+                        <a:t>차일드</a:t>
+                      </a:r>
+                      <a:r>
+                        <a:rPr lang="ko-KR" altLang="en-US" sz="1200" dirty="0">
+                          <a:latin typeface="맑은 고딕"/>
+                          <a:cs typeface="맑은 고딕"/>
+                        </a:rPr>
+                        <a:t> </a:t>
+                      </a:r>
+                      <a:r>
+                        <a:rPr lang="ko-KR" altLang="en-US" sz="1200" dirty="0" err="1">
+                          <a:latin typeface="맑은 고딕"/>
+                          <a:cs typeface="맑은 고딕"/>
+                        </a:rPr>
+                        <a:t>락을</a:t>
+                      </a:r>
+                      <a:r>
+                        <a:rPr lang="ko-KR" altLang="en-US" sz="1200" dirty="0">
+                          <a:latin typeface="맑은 고딕"/>
+                          <a:cs typeface="맑은 고딕"/>
+                        </a:rPr>
+                        <a:t> </a:t>
+                      </a:r>
+                      <a:r>
+                        <a:rPr lang="en-US" altLang="ko-KR" sz="1200" dirty="0">
+                          <a:latin typeface="맑은 고딕"/>
+                          <a:cs typeface="맑은 고딕"/>
+                        </a:rPr>
+                        <a:t>ON </a:t>
+                      </a:r>
+                      <a:r>
+                        <a:rPr lang="ko-KR" altLang="en-US" sz="1200" dirty="0">
+                          <a:latin typeface="맑은 고딕"/>
+                          <a:cs typeface="맑은 고딕"/>
+                        </a:rPr>
+                        <a:t>함</a:t>
+                      </a:r>
                       <a:endParaRPr sz="1200" dirty="0">
                         <a:latin typeface="맑은 고딕"/>
                         <a:cs typeface="맑은 고딕"/>
@@ -24488,18 +24897,46 @@
                     <a:bodyPr/>
                     <a:lstStyle/>
                     <a:p>
-                      <a:pPr marL="240029" indent="-172720">
+                      <a:pPr marL="67309" indent="0">
                         <a:lnSpc>
                           <a:spcPts val="1430"/>
                         </a:lnSpc>
                         <a:spcBef>
                           <a:spcPts val="350"/>
                         </a:spcBef>
-                        <a:buAutoNum type="arabicPeriod"/>
+                        <a:buNone/>
                         <a:tabLst>
                           <a:tab pos="240665" algn="l"/>
                         </a:tabLst>
                       </a:pPr>
+                      <a:r>
+                        <a:rPr lang="en-US" altLang="ko-KR" sz="1200" dirty="0">
+                          <a:latin typeface="맑은 고딕"/>
+                          <a:cs typeface="맑은 고딕"/>
+                        </a:rPr>
+                        <a:t>4A.</a:t>
+                      </a:r>
+                      <a:r>
+                        <a:rPr lang="ko-KR" altLang="en-US" sz="1200" dirty="0">
+                          <a:latin typeface="맑은 고딕"/>
+                          <a:cs typeface="맑은 고딕"/>
+                        </a:rPr>
+                        <a:t> </a:t>
+                      </a:r>
+                      <a:r>
+                        <a:rPr lang="en-US" altLang="ko-KR" sz="1200" dirty="0">
+                          <a:latin typeface="맑은 고딕"/>
+                          <a:cs typeface="맑은 고딕"/>
+                        </a:rPr>
+                        <a:t>ON </a:t>
+                      </a:r>
+                      <a:r>
+                        <a:rPr lang="ko-KR" altLang="en-US" sz="1200" dirty="0">
+                          <a:latin typeface="맑은 고딕"/>
+                          <a:cs typeface="맑은 고딕"/>
+                        </a:rPr>
+                        <a:t>상태 유지</a:t>
+                      </a:r>
                       <a:endParaRPr sz="1200" dirty="0">
                         <a:latin typeface="맑은 고딕"/>
                         <a:cs typeface="맑은 고딕"/>
@@ -24551,147 +24988,8 @@
                   </a:ext>
                 </a:extLst>
               </a:tr>
-              <a:tr h="269513">
-                <a:tc vMerge="1">
-                  <a:txBody>
-                    <a:bodyPr/>
-                    <a:lstStyle/>
-                    <a:p>
-                      <a:pPr latinLnBrk="1"/>
-                      <a:endParaRPr lang="ko-KR" altLang="en-US"/>
-                    </a:p>
-                  </a:txBody>
-                  <a:tcPr/>
-                </a:tc>
-                <a:tc>
-                  <a:txBody>
-                    <a:bodyPr/>
-                    <a:lstStyle/>
-                    <a:p>
-                      <a:pPr marL="240029" indent="-172720">
-                        <a:lnSpc>
-                          <a:spcPts val="1430"/>
-                        </a:lnSpc>
-                        <a:spcBef>
-                          <a:spcPts val="350"/>
-                        </a:spcBef>
-                        <a:buAutoNum type="arabicPeriod"/>
-                        <a:tabLst>
-                          <a:tab pos="240665" algn="l"/>
-                        </a:tabLst>
-                      </a:pPr>
-                      <a:endParaRPr sz="1200" dirty="0">
-                        <a:latin typeface="맑은 고딕"/>
-                        <a:cs typeface="맑은 고딕"/>
-                      </a:endParaRPr>
-                    </a:p>
-                  </a:txBody>
-                  <a:tcPr marL="0" marR="0" marT="44450" marB="0">
-                    <a:lnL w="9525" cap="flat" cmpd="sng" algn="ctr">
-                      <a:solidFill>
-                        <a:srgbClr val="000000"/>
-                      </a:solidFill>
-                      <a:prstDash val="solid"/>
-                      <a:round/>
-                      <a:headEnd type="none" w="med" len="med"/>
-                      <a:tailEnd type="none" w="med" len="med"/>
-                    </a:lnL>
-                    <a:lnR w="9525" cap="flat" cmpd="sng" algn="ctr">
-                      <a:solidFill>
-                        <a:srgbClr val="000000"/>
-                      </a:solidFill>
-                      <a:prstDash val="solid"/>
-                      <a:round/>
-                      <a:headEnd type="none" w="med" len="med"/>
-                      <a:tailEnd type="none" w="med" len="med"/>
-                    </a:lnR>
-                    <a:lnT w="9525" cap="flat" cmpd="sng" algn="ctr">
-                      <a:solidFill>
-                        <a:srgbClr val="000000"/>
-                      </a:solidFill>
-                      <a:prstDash val="solid"/>
-                      <a:round/>
-                      <a:headEnd type="none" w="med" len="med"/>
-                      <a:tailEnd type="none" w="med" len="med"/>
-                    </a:lnT>
-                    <a:lnB w="9525">
-                      <a:solidFill>
-                        <a:srgbClr val="000000"/>
-                      </a:solidFill>
-                      <a:prstDash val="solid"/>
-                    </a:lnB>
-                  </a:tcPr>
-                </a:tc>
-                <a:tc>
-                  <a:txBody>
-                    <a:bodyPr/>
-                    <a:lstStyle/>
-                    <a:p>
-                      <a:pPr marL="240029" indent="-172720">
-                        <a:lnSpc>
-                          <a:spcPts val="1430"/>
-                        </a:lnSpc>
-                        <a:spcBef>
-                          <a:spcPts val="350"/>
-                        </a:spcBef>
-                        <a:buAutoNum type="arabicPeriod"/>
-                        <a:tabLst>
-                          <a:tab pos="240665" algn="l"/>
-                        </a:tabLst>
-                      </a:pPr>
-                      <a:endParaRPr sz="1200" dirty="0">
-                        <a:latin typeface="맑은 고딕"/>
-                        <a:cs typeface="맑은 고딕"/>
-                      </a:endParaRPr>
-                    </a:p>
-                  </a:txBody>
-                  <a:tcPr marL="0" marR="0" marT="44450" marB="0">
-                    <a:lnL w="9525" cap="flat" cmpd="sng" algn="ctr">
-                      <a:solidFill>
-                        <a:srgbClr val="000000"/>
-                      </a:solidFill>
-                      <a:prstDash val="solid"/>
-                      <a:round/>
-                      <a:headEnd type="none" w="med" len="med"/>
-                      <a:tailEnd type="none" w="med" len="med"/>
-                    </a:lnL>
-                    <a:lnR w="9525" cap="flat" cmpd="sng" algn="ctr">
-                      <a:solidFill>
-                        <a:srgbClr val="000000"/>
-                      </a:solidFill>
-                      <a:prstDash val="solid"/>
-                      <a:round/>
-                      <a:headEnd type="none" w="med" len="med"/>
-                      <a:tailEnd type="none" w="med" len="med"/>
-                    </a:lnR>
-                    <a:lnT w="9525" cap="flat" cmpd="sng" algn="ctr">
-                      <a:solidFill>
-                        <a:srgbClr val="000000"/>
-                      </a:solidFill>
-                      <a:prstDash val="solid"/>
-                      <a:round/>
-                      <a:headEnd type="none" w="med" len="med"/>
-                      <a:tailEnd type="none" w="med" len="med"/>
-                    </a:lnT>
-                    <a:lnB w="9525" cap="flat" cmpd="sng" algn="ctr">
-                      <a:solidFill>
-                        <a:srgbClr val="000000"/>
-                      </a:solidFill>
-                      <a:prstDash val="solid"/>
-                      <a:round/>
-                      <a:headEnd type="none" w="med" len="med"/>
-                      <a:tailEnd type="none" w="med" len="med"/>
-                    </a:lnB>
-                  </a:tcPr>
-                </a:tc>
-                <a:extLst>
-                  <a:ext uri="{0D108BD9-81ED-4DB2-BD59-A6C34878D82A}">
-                    <a16:rowId xmlns:a16="http://schemas.microsoft.com/office/drawing/2014/main" val="1559324796"/>
-                  </a:ext>
-                </a:extLst>
-              </a:tr>
-              <a:tr h="244558">
-                <a:tc rowSpan="5">
+              <a:tr h="235615">
+                <a:tc rowSpan="4">
                   <a:txBody>
                     <a:bodyPr/>
                     <a:lstStyle/>
@@ -24705,40 +25003,44 @@
                         </a:spcBef>
                       </a:pPr>
                       <a:r>
-                        <a:rPr sz="1200" b="1" spc="-5" dirty="0">
+                        <a:rPr lang="en-US" sz="1200" b="1" spc="-5" dirty="0">
                           <a:latin typeface="맑은 고딕"/>
                           <a:cs typeface="맑은 고딕"/>
                         </a:rPr>
                         <a:t>Alternative</a:t>
                       </a:r>
                       <a:r>
-                        <a:rPr sz="1200" b="1" spc="-30" dirty="0">
+                        <a:rPr lang="en-US" sz="1200" b="1" spc="-30" dirty="0">
                           <a:latin typeface="맑은 고딕"/>
                           <a:cs typeface="맑은 고딕"/>
                         </a:rPr>
                         <a:t> </a:t>
                       </a:r>
                       <a:r>
-                        <a:rPr sz="1200" b="1" spc="-5" dirty="0">
+                        <a:rPr lang="en-US" sz="1200" b="1" spc="-5" dirty="0">
                           <a:latin typeface="맑은 고딕"/>
                           <a:cs typeface="맑은 고딕"/>
                         </a:rPr>
                         <a:t>Scenario</a:t>
                       </a:r>
                       <a:r>
-                        <a:rPr sz="1200" b="1" spc="-15" dirty="0">
+                        <a:rPr lang="en-US" sz="1200" b="1" spc="-15" dirty="0">
                           <a:latin typeface="맑은 고딕"/>
                           <a:cs typeface="맑은 고딕"/>
                         </a:rPr>
                         <a:t> </a:t>
                       </a:r>
                       <a:r>
-                        <a:rPr sz="1200" b="1" dirty="0">
+                        <a:rPr lang="en-US" sz="1200" b="1" dirty="0">
                           <a:latin typeface="맑은 고딕"/>
                           <a:cs typeface="맑은 고딕"/>
                         </a:rPr>
                         <a:t>1</a:t>
                       </a:r>
+                      <a:endParaRPr sz="1200" b="1" dirty="0">
+                        <a:latin typeface="맑은 고딕"/>
+                        <a:cs typeface="맑은 고딕"/>
+                      </a:endParaRPr>
                     </a:p>
                   </a:txBody>
                   <a:tcPr marL="0" marR="0" marT="59690" marB="0">
@@ -24748,17 +25050,23 @@
                       </a:solidFill>
                       <a:prstDash val="solid"/>
                     </a:lnL>
-                    <a:lnR w="9525">
+                    <a:lnR w="9525" cap="flat" cmpd="sng" algn="ctr">
                       <a:solidFill>
                         <a:srgbClr val="000000"/>
                       </a:solidFill>
                       <a:prstDash val="solid"/>
+                      <a:round/>
+                      <a:headEnd type="none" w="med" len="med"/>
+                      <a:tailEnd type="none" w="med" len="med"/>
                     </a:lnR>
-                    <a:lnT w="9525">
+                    <a:lnT w="9525" cap="flat" cmpd="sng" algn="ctr">
                       <a:solidFill>
                         <a:srgbClr val="000000"/>
                       </a:solidFill>
                       <a:prstDash val="solid"/>
+                      <a:round/>
+                      <a:headEnd type="none" w="med" len="med"/>
+                      <a:tailEnd type="none" w="med" len="med"/>
                     </a:lnT>
                     <a:lnB w="9525">
                       <a:solidFill>
@@ -24786,6 +25094,62 @@
                           <a:spcPts val="560"/>
                         </a:spcBef>
                       </a:pPr>
+                      <a:r>
+                        <a:rPr lang="en-US" altLang="ko-KR" sz="1200" dirty="0">
+                          <a:latin typeface="맑은 고딕"/>
+                          <a:cs typeface="맑은 고딕"/>
+                        </a:rPr>
+                        <a:t>1.</a:t>
+                      </a:r>
+                      <a:r>
+                        <a:rPr lang="ko-KR" altLang="en-US" sz="1200" dirty="0">
+                          <a:latin typeface="맑은 고딕"/>
+                          <a:cs typeface="맑은 고딕"/>
+                        </a:rPr>
+                        <a:t> </a:t>
+                      </a:r>
+                      <a:r>
+                        <a:rPr lang="en-US" altLang="ko-KR" sz="1200" dirty="0">
+                          <a:latin typeface="맑은 고딕"/>
+                          <a:cs typeface="맑은 고딕"/>
+                        </a:rPr>
+                        <a:t>(ON </a:t>
+                      </a:r>
+                      <a:r>
+                        <a:rPr lang="ko-KR" altLang="en-US" sz="1200" dirty="0">
+                          <a:latin typeface="맑은 고딕"/>
+                          <a:cs typeface="맑은 고딕"/>
+                        </a:rPr>
+                        <a:t>상태</a:t>
+                      </a:r>
+                      <a:r>
+                        <a:rPr lang="en-US" altLang="ko-KR" sz="1200" dirty="0">
+                          <a:latin typeface="맑은 고딕"/>
+                          <a:cs typeface="맑은 고딕"/>
+                        </a:rPr>
+                        <a:t>)</a:t>
+                      </a:r>
+                      <a:r>
+                        <a:rPr lang="ko-KR" altLang="en-US" sz="1200" dirty="0">
+                          <a:latin typeface="맑은 고딕"/>
+                          <a:cs typeface="맑은 고딕"/>
+                        </a:rPr>
+                        <a:t>동승자가 </a:t>
+                      </a:r>
+                      <a:r>
+                        <a:rPr lang="ko-KR" altLang="en-US" sz="1200" dirty="0" err="1">
+                          <a:latin typeface="맑은 고딕"/>
+                          <a:cs typeface="맑은 고딕"/>
+                        </a:rPr>
+                        <a:t>도어락을</a:t>
+                      </a:r>
+                      <a:r>
+                        <a:rPr lang="ko-KR" altLang="en-US" sz="1200" dirty="0">
+                          <a:latin typeface="맑은 고딕"/>
+                          <a:cs typeface="맑은 고딕"/>
+                        </a:rPr>
+                        <a:t> 만짐</a:t>
+                      </a:r>
                       <a:endParaRPr sz="1200" dirty="0">
                         <a:latin typeface="맑은 고딕"/>
                         <a:cs typeface="맑은 고딕"/>
@@ -24793,11 +25157,14 @@
                     </a:p>
                   </a:txBody>
                   <a:tcPr marL="0" marR="0" marT="71120" marB="0">
-                    <a:lnL w="9525">
+                    <a:lnL w="9525" cap="flat" cmpd="sng" algn="ctr">
                       <a:solidFill>
                         <a:srgbClr val="000000"/>
                       </a:solidFill>
                       <a:prstDash val="solid"/>
+                      <a:round/>
+                      <a:headEnd type="none" w="med" len="med"/>
+                      <a:tailEnd type="none" w="med" len="med"/>
                     </a:lnL>
                     <a:lnR w="9525" cap="flat" cmpd="sng" algn="ctr">
                       <a:solidFill>
@@ -24808,11 +25175,14 @@
                       <a:headEnd type="none" w="med" len="med"/>
                       <a:tailEnd type="none" w="med" len="med"/>
                     </a:lnR>
-                    <a:lnT w="9525">
+                    <a:lnT w="9525" cap="flat" cmpd="sng" algn="ctr">
                       <a:solidFill>
                         <a:srgbClr val="000000"/>
                       </a:solidFill>
                       <a:prstDash val="solid"/>
+                      <a:round/>
+                      <a:headEnd type="none" w="med" len="med"/>
+                      <a:tailEnd type="none" w="med" len="med"/>
                     </a:lnT>
                     <a:lnB w="9525" cap="flat" cmpd="sng" algn="ctr">
                       <a:solidFill>
@@ -24838,6 +25208,20 @@
                           <a:spcPts val="560"/>
                         </a:spcBef>
                       </a:pPr>
+                      <a:r>
+                        <a:rPr lang="en-US" sz="1200" dirty="0">
+                          <a:latin typeface="맑은 고딕"/>
+                          <a:cs typeface="맑은 고딕"/>
+                        </a:rPr>
+                        <a:t>1A. ON </a:t>
+                      </a:r>
+                      <a:r>
+                        <a:rPr lang="ko-KR" altLang="en-US" sz="1200" dirty="0">
+                          <a:latin typeface="맑은 고딕"/>
+                          <a:cs typeface="맑은 고딕"/>
+                        </a:rPr>
+                        <a:t>상태 유지</a:t>
+                      </a:r>
                       <a:endParaRPr sz="1200" dirty="0">
                         <a:latin typeface="맑은 고딕"/>
                         <a:cs typeface="맑은 고딕"/>
@@ -24886,7 +25270,7 @@
                   </a:ext>
                 </a:extLst>
               </a:tr>
-              <a:tr h="244558">
+              <a:tr h="235615">
                 <a:tc vMerge="1">
                   <a:txBody>
                     <a:bodyPr/>
@@ -24911,6 +25295,34 @@
                           <a:spcPts val="560"/>
                         </a:spcBef>
                       </a:pPr>
+                      <a:r>
+                        <a:rPr lang="en-US" altLang="ko-KR" sz="1200" dirty="0">
+                          <a:latin typeface="맑은 고딕"/>
+                          <a:cs typeface="맑은 고딕"/>
+                        </a:rPr>
+                        <a:t>2.</a:t>
+                      </a:r>
+                      <a:r>
+                        <a:rPr lang="ko-KR" altLang="en-US" sz="1200" dirty="0">
+                          <a:latin typeface="맑은 고딕"/>
+                          <a:cs typeface="맑은 고딕"/>
+                        </a:rPr>
+                        <a:t> </a:t>
+                      </a:r>
+                      <a:r>
+                        <a:rPr lang="ko-KR" altLang="en-US" sz="1200" dirty="0" err="1">
+                          <a:latin typeface="맑은 고딕"/>
+                          <a:cs typeface="맑은 고딕"/>
+                        </a:rPr>
+                        <a:t>도어락</a:t>
+                      </a:r>
+                      <a:r>
+                        <a:rPr lang="ko-KR" altLang="en-US" sz="1200" dirty="0">
+                          <a:latin typeface="맑은 고딕"/>
+                          <a:cs typeface="맑은 고딕"/>
+                        </a:rPr>
+                        <a:t> 제어기 센서 시스템 작동</a:t>
+                      </a:r>
                       <a:endParaRPr sz="1200" dirty="0">
                         <a:latin typeface="맑은 고딕"/>
                         <a:cs typeface="맑은 고딕"/>
@@ -24969,6 +25381,20 @@
                           <a:spcPts val="560"/>
                         </a:spcBef>
                       </a:pPr>
+                      <a:r>
+                        <a:rPr lang="en-US" sz="1200" dirty="0">
+                          <a:latin typeface="맑은 고딕"/>
+                          <a:cs typeface="맑은 고딕"/>
+                        </a:rPr>
+                        <a:t>2A.</a:t>
+                      </a:r>
+                      <a:r>
+                        <a:rPr lang="ko-KR" altLang="en-US" sz="1200" dirty="0">
+                          <a:latin typeface="맑은 고딕"/>
+                          <a:cs typeface="맑은 고딕"/>
+                        </a:rPr>
+                        <a:t> 센싱을 감지함 </a:t>
+                      </a:r>
                       <a:endParaRPr sz="1200" dirty="0">
                         <a:latin typeface="맑은 고딕"/>
                         <a:cs typeface="맑은 고딕"/>
@@ -25020,7 +25446,7 @@
                   </a:ext>
                 </a:extLst>
               </a:tr>
-              <a:tr h="244558">
+              <a:tr h="235615">
                 <a:tc vMerge="1">
                   <a:txBody>
                     <a:bodyPr/>
@@ -25045,6 +25471,20 @@
                           <a:spcPts val="560"/>
                         </a:spcBef>
                       </a:pPr>
+                      <a:r>
+                        <a:rPr lang="en-US" altLang="ko-KR" sz="1200" dirty="0">
+                          <a:latin typeface="맑은 고딕"/>
+                          <a:cs typeface="맑은 고딕"/>
+                        </a:rPr>
+                        <a:t>3.</a:t>
+                      </a:r>
+                      <a:r>
+                        <a:rPr lang="ko-KR" altLang="en-US" sz="1200" dirty="0">
+                          <a:latin typeface="맑은 고딕"/>
+                          <a:cs typeface="맑은 고딕"/>
+                        </a:rPr>
+                        <a:t> 음성 알림과 클러스터 시스템 작동</a:t>
+                      </a:r>
                       <a:endParaRPr sz="1200" dirty="0">
                         <a:latin typeface="맑은 고딕"/>
                         <a:cs typeface="맑은 고딕"/>
@@ -25103,6 +25543,34 @@
                           <a:spcPts val="560"/>
                         </a:spcBef>
                       </a:pPr>
+                      <a:r>
+                        <a:rPr lang="en-US" sz="1200" dirty="0">
+                          <a:latin typeface="맑은 고딕"/>
+                          <a:cs typeface="맑은 고딕"/>
+                        </a:rPr>
+                        <a:t>3A.</a:t>
+                      </a:r>
+                      <a:r>
+                        <a:rPr lang="ko-KR" altLang="en-US" sz="1200" dirty="0">
+                          <a:latin typeface="맑은 고딕"/>
+                          <a:cs typeface="맑은 고딕"/>
+                        </a:rPr>
+                        <a:t> 감지된 상태 </a:t>
+                      </a:r>
+                      <a:r>
+                        <a:rPr lang="en-US" altLang="ko-KR" sz="1200" dirty="0">
+                          <a:latin typeface="맑은 고딕"/>
+                          <a:cs typeface="맑은 고딕"/>
+                        </a:rPr>
+                        <a:t>-&gt;</a:t>
+                      </a:r>
+                      <a:r>
+                        <a:rPr lang="ko-KR" altLang="en-US" sz="1200" dirty="0">
+                          <a:latin typeface="맑은 고딕"/>
+                          <a:cs typeface="맑은 고딕"/>
+                        </a:rPr>
+                        <a:t> 알림 시스템 작동</a:t>
+                      </a:r>
                       <a:endParaRPr sz="1200" dirty="0">
                         <a:latin typeface="맑은 고딕"/>
                         <a:cs typeface="맑은 고딕"/>
@@ -25154,7 +25622,7 @@
                   </a:ext>
                 </a:extLst>
               </a:tr>
-              <a:tr h="244558">
+              <a:tr h="235615">
                 <a:tc vMerge="1">
                   <a:txBody>
                     <a:bodyPr/>
@@ -25179,6 +25647,20 @@
                           <a:spcPts val="560"/>
                         </a:spcBef>
                       </a:pPr>
+                      <a:r>
+                        <a:rPr lang="en-US" altLang="ko-KR" sz="1200" dirty="0">
+                          <a:latin typeface="맑은 고딕"/>
+                          <a:cs typeface="맑은 고딕"/>
+                        </a:rPr>
+                        <a:t>4.</a:t>
+                      </a:r>
+                      <a:r>
+                        <a:rPr lang="ko-KR" altLang="en-US" sz="1200" dirty="0">
+                          <a:latin typeface="맑은 고딕"/>
+                          <a:cs typeface="맑은 고딕"/>
+                        </a:rPr>
+                        <a:t> 운전자가 이를 인지하고 동승자에게 경고를 줌</a:t>
+                      </a:r>
                       <a:endParaRPr sz="1200" dirty="0">
                         <a:latin typeface="맑은 고딕"/>
                         <a:cs typeface="맑은 고딕"/>
@@ -25237,6 +25719,34 @@
                           <a:spcPts val="560"/>
                         </a:spcBef>
                       </a:pPr>
+                      <a:r>
+                        <a:rPr lang="en-US" sz="1200" dirty="0">
+                          <a:latin typeface="맑은 고딕"/>
+                          <a:cs typeface="맑은 고딕"/>
+                        </a:rPr>
+                        <a:t>4A.</a:t>
+                      </a:r>
+                      <a:r>
+                        <a:rPr lang="ko-KR" altLang="en-US" sz="1200" dirty="0">
+                          <a:latin typeface="맑은 고딕"/>
+                          <a:cs typeface="맑은 고딕"/>
+                        </a:rPr>
+                        <a:t> </a:t>
+                      </a:r>
+                      <a:r>
+                        <a:rPr lang="en-US" altLang="ko-KR" sz="1200" dirty="0">
+                          <a:latin typeface="맑은 고딕"/>
+                          <a:cs typeface="맑은 고딕"/>
+                        </a:rPr>
+                        <a:t>ON</a:t>
+                      </a:r>
+                      <a:r>
+                        <a:rPr lang="ko-KR" altLang="en-US" sz="1200" dirty="0">
+                          <a:latin typeface="맑은 고딕"/>
+                          <a:cs typeface="맑은 고딕"/>
+                        </a:rPr>
+                        <a:t> 상태 유지</a:t>
+                      </a:r>
                       <a:endParaRPr sz="1200" dirty="0">
                         <a:latin typeface="맑은 고딕"/>
                         <a:cs typeface="맑은 고딕"/>
@@ -25288,138 +25798,7 @@
                   </a:ext>
                 </a:extLst>
               </a:tr>
-              <a:tr h="244558">
-                <a:tc vMerge="1">
-                  <a:txBody>
-                    <a:bodyPr/>
-                    <a:lstStyle/>
-                    <a:p>
-                      <a:pPr latinLnBrk="1"/>
-                      <a:endParaRPr lang="ko-KR" altLang="en-US"/>
-                    </a:p>
-                  </a:txBody>
-                  <a:tcPr/>
-                </a:tc>
-                <a:tc>
-                  <a:txBody>
-                    <a:bodyPr/>
-                    <a:lstStyle/>
-                    <a:p>
-                      <a:pPr marL="176530" marR="1360170" indent="-107950">
-                        <a:lnSpc>
-                          <a:spcPts val="1390"/>
-                        </a:lnSpc>
-                        <a:spcBef>
-                          <a:spcPts val="560"/>
-                        </a:spcBef>
-                      </a:pPr>
-                      <a:endParaRPr sz="1200" dirty="0">
-                        <a:latin typeface="맑은 고딕"/>
-                        <a:cs typeface="맑은 고딕"/>
-                      </a:endParaRPr>
-                    </a:p>
-                  </a:txBody>
-                  <a:tcPr marL="0" marR="0" marT="71120" marB="0">
-                    <a:lnL w="9525" cap="flat" cmpd="sng" algn="ctr">
-                      <a:solidFill>
-                        <a:srgbClr val="000000"/>
-                      </a:solidFill>
-                      <a:prstDash val="solid"/>
-                      <a:round/>
-                      <a:headEnd type="none" w="med" len="med"/>
-                      <a:tailEnd type="none" w="med" len="med"/>
-                    </a:lnL>
-                    <a:lnR w="9525" cap="flat" cmpd="sng" algn="ctr">
-                      <a:solidFill>
-                        <a:srgbClr val="000000"/>
-                      </a:solidFill>
-                      <a:prstDash val="solid"/>
-                      <a:round/>
-                      <a:headEnd type="none" w="med" len="med"/>
-                      <a:tailEnd type="none" w="med" len="med"/>
-                    </a:lnR>
-                    <a:lnT w="9525" cap="flat" cmpd="sng" algn="ctr">
-                      <a:solidFill>
-                        <a:srgbClr val="000000"/>
-                      </a:solidFill>
-                      <a:prstDash val="solid"/>
-                      <a:round/>
-                      <a:headEnd type="none" w="med" len="med"/>
-                      <a:tailEnd type="none" w="med" len="med"/>
-                    </a:lnT>
-                    <a:lnB w="9525">
-                      <a:solidFill>
-                        <a:srgbClr val="000000"/>
-                      </a:solidFill>
-                      <a:prstDash val="solid"/>
-                    </a:lnB>
-                  </a:tcPr>
-                </a:tc>
-                <a:tc>
-                  <a:txBody>
-                    <a:bodyPr/>
-                    <a:lstStyle/>
-                    <a:p>
-                      <a:pPr marL="176530" marR="1360170" indent="-107950">
-                        <a:lnSpc>
-                          <a:spcPts val="1390"/>
-                        </a:lnSpc>
-                        <a:spcBef>
-                          <a:spcPts val="560"/>
-                        </a:spcBef>
-                      </a:pPr>
-                      <a:endParaRPr sz="1200" dirty="0">
-                        <a:latin typeface="맑은 고딕"/>
-                        <a:cs typeface="맑은 고딕"/>
-                      </a:endParaRPr>
-                    </a:p>
-                  </a:txBody>
-                  <a:tcPr marL="0" marR="0" marT="71120" marB="0">
-                    <a:lnL w="9525" cap="flat" cmpd="sng" algn="ctr">
-                      <a:solidFill>
-                        <a:srgbClr val="000000"/>
-                      </a:solidFill>
-                      <a:prstDash val="solid"/>
-                      <a:round/>
-                      <a:headEnd type="none" w="med" len="med"/>
-                      <a:tailEnd type="none" w="med" len="med"/>
-                    </a:lnL>
-                    <a:lnR w="9525" cap="flat" cmpd="sng" algn="ctr">
-                      <a:solidFill>
-                        <a:srgbClr val="000000"/>
-                      </a:solidFill>
-                      <a:prstDash val="solid"/>
-                      <a:round/>
-                      <a:headEnd type="none" w="med" len="med"/>
-                      <a:tailEnd type="none" w="med" len="med"/>
-                    </a:lnR>
-                    <a:lnT w="9525" cap="flat" cmpd="sng" algn="ctr">
-                      <a:solidFill>
-                        <a:srgbClr val="000000"/>
-                      </a:solidFill>
-                      <a:prstDash val="solid"/>
-                      <a:round/>
-                      <a:headEnd type="none" w="med" len="med"/>
-                      <a:tailEnd type="none" w="med" len="med"/>
-                    </a:lnT>
-                    <a:lnB w="9525" cap="flat" cmpd="sng" algn="ctr">
-                      <a:solidFill>
-                        <a:srgbClr val="000000"/>
-                      </a:solidFill>
-                      <a:prstDash val="solid"/>
-                      <a:round/>
-                      <a:headEnd type="none" w="med" len="med"/>
-                      <a:tailEnd type="none" w="med" len="med"/>
-                    </a:lnB>
-                  </a:tcPr>
-                </a:tc>
-                <a:extLst>
-                  <a:ext uri="{0D108BD9-81ED-4DB2-BD59-A6C34878D82A}">
-                    <a16:rowId xmlns:a16="http://schemas.microsoft.com/office/drawing/2014/main" val="1525051659"/>
-                  </a:ext>
-                </a:extLst>
-              </a:tr>
-              <a:tr h="233329">
+              <a:tr h="224796">
                 <a:tc rowSpan="5">
                   <a:txBody>
                     <a:bodyPr/>
@@ -25503,14 +25882,388 @@
                     <a:bodyPr/>
                     <a:lstStyle/>
                     <a:p>
-                      <a:pPr marL="296545" indent="-228600">
+                      <a:pPr marL="67945" indent="0">
                         <a:lnSpc>
                           <a:spcPts val="1415"/>
                         </a:lnSpc>
                         <a:spcBef>
                           <a:spcPts val="470"/>
                         </a:spcBef>
-                        <a:buAutoNum type="arabicPeriod"/>
+                        <a:buNone/>
+                      </a:pPr>
+                      <a:r>
+                        <a:rPr lang="en-US" altLang="ko-KR" sz="1200" dirty="0">
+                          <a:latin typeface="맑은 고딕"/>
+                          <a:cs typeface="맑은 고딕"/>
+                        </a:rPr>
+                        <a:t>1.</a:t>
+                      </a:r>
+                      <a:r>
+                        <a:rPr lang="ko-KR" altLang="en-US" sz="1200" dirty="0">
+                          <a:latin typeface="맑은 고딕"/>
+                          <a:cs typeface="맑은 고딕"/>
+                        </a:rPr>
+                        <a:t> </a:t>
+                      </a:r>
+                      <a:r>
+                        <a:rPr lang="ko-KR" altLang="en-US" sz="1200" dirty="0" err="1">
+                          <a:latin typeface="맑은 고딕"/>
+                          <a:cs typeface="맑은 고딕"/>
+                        </a:rPr>
+                        <a:t>후측방</a:t>
+                      </a:r>
+                      <a:r>
+                        <a:rPr lang="ko-KR" altLang="en-US" sz="1200" dirty="0">
+                          <a:latin typeface="맑은 고딕"/>
+                          <a:cs typeface="맑은 고딕"/>
+                        </a:rPr>
+                        <a:t> 레이더 센서의 무분별 데이터 수집</a:t>
+                      </a:r>
+                      <a:endParaRPr sz="1200" dirty="0">
+                        <a:latin typeface="맑은 고딕"/>
+                        <a:cs typeface="맑은 고딕"/>
+                      </a:endParaRPr>
+                    </a:p>
+                  </a:txBody>
+                  <a:tcPr marL="0" marR="0" marT="59690" marB="0">
+                    <a:lnL w="9525" cap="flat" cmpd="sng" algn="ctr">
+                      <a:solidFill>
+                        <a:srgbClr val="000000"/>
+                      </a:solidFill>
+                      <a:prstDash val="solid"/>
+                      <a:round/>
+                      <a:headEnd type="none" w="med" len="med"/>
+                      <a:tailEnd type="none" w="med" len="med"/>
+                    </a:lnL>
+                    <a:lnR w="9525" cap="flat" cmpd="sng" algn="ctr">
+                      <a:solidFill>
+                        <a:srgbClr val="000000"/>
+                      </a:solidFill>
+                      <a:prstDash val="solid"/>
+                      <a:round/>
+                      <a:headEnd type="none" w="med" len="med"/>
+                      <a:tailEnd type="none" w="med" len="med"/>
+                    </a:lnR>
+                    <a:lnT w="9525" cap="flat" cmpd="sng" algn="ctr">
+                      <a:solidFill>
+                        <a:srgbClr val="000000"/>
+                      </a:solidFill>
+                      <a:prstDash val="solid"/>
+                      <a:round/>
+                      <a:headEnd type="none" w="med" len="med"/>
+                      <a:tailEnd type="none" w="med" len="med"/>
+                    </a:lnT>
+                    <a:lnB w="9525" cap="flat" cmpd="sng" algn="ctr">
+                      <a:solidFill>
+                        <a:srgbClr val="000000"/>
+                      </a:solidFill>
+                      <a:prstDash val="solid"/>
+                      <a:round/>
+                      <a:headEnd type="none" w="med" len="med"/>
+                      <a:tailEnd type="none" w="med" len="med"/>
+                    </a:lnB>
+                  </a:tcPr>
+                </a:tc>
+                <a:tc>
+                  <a:txBody>
+                    <a:bodyPr/>
+                    <a:lstStyle/>
+                    <a:p>
+                      <a:pPr marL="67945" indent="0">
+                        <a:lnSpc>
+                          <a:spcPts val="1415"/>
+                        </a:lnSpc>
+                        <a:spcBef>
+                          <a:spcPts val="470"/>
+                        </a:spcBef>
+                        <a:buNone/>
+                      </a:pPr>
+                      <a:r>
+                        <a:rPr lang="en-US" altLang="ko-KR" sz="1200" dirty="0">
+                          <a:latin typeface="맑은 고딕"/>
+                          <a:cs typeface="맑은 고딕"/>
+                        </a:rPr>
+                        <a:t>1A. </a:t>
+                      </a:r>
+                      <a:r>
+                        <a:rPr lang="ko-KR" altLang="en-US" sz="1200" dirty="0">
+                          <a:latin typeface="맑은 고딕"/>
+                          <a:cs typeface="맑은 고딕"/>
+                        </a:rPr>
+                        <a:t>옆에 차량이 지나가도 알림 시스템이 작동 안함</a:t>
+                      </a:r>
+                      <a:endParaRPr sz="1200" dirty="0">
+                        <a:latin typeface="맑은 고딕"/>
+                        <a:cs typeface="맑은 고딕"/>
+                      </a:endParaRPr>
+                    </a:p>
+                  </a:txBody>
+                  <a:tcPr marL="0" marR="0" marT="59690" marB="0">
+                    <a:lnL w="9525" cap="flat" cmpd="sng" algn="ctr">
+                      <a:solidFill>
+                        <a:srgbClr val="000000"/>
+                      </a:solidFill>
+                      <a:prstDash val="solid"/>
+                      <a:round/>
+                      <a:headEnd type="none" w="med" len="med"/>
+                      <a:tailEnd type="none" w="med" len="med"/>
+                    </a:lnL>
+                    <a:lnR w="9525">
+                      <a:solidFill>
+                        <a:srgbClr val="000000"/>
+                      </a:solidFill>
+                      <a:prstDash val="solid"/>
+                    </a:lnR>
+                    <a:lnT w="9525" cap="flat" cmpd="sng" algn="ctr">
+                      <a:solidFill>
+                        <a:srgbClr val="000000"/>
+                      </a:solidFill>
+                      <a:prstDash val="solid"/>
+                      <a:round/>
+                      <a:headEnd type="none" w="med" len="med"/>
+                      <a:tailEnd type="none" w="med" len="med"/>
+                    </a:lnT>
+                    <a:lnB w="9525" cap="flat" cmpd="sng" algn="ctr">
+                      <a:solidFill>
+                        <a:srgbClr val="000000"/>
+                      </a:solidFill>
+                      <a:prstDash val="solid"/>
+                      <a:round/>
+                      <a:headEnd type="none" w="med" len="med"/>
+                      <a:tailEnd type="none" w="med" len="med"/>
+                    </a:lnB>
+                  </a:tcPr>
+                </a:tc>
+                <a:extLst>
+                  <a:ext uri="{0D108BD9-81ED-4DB2-BD59-A6C34878D82A}">
+                    <a16:rowId xmlns:a16="http://schemas.microsoft.com/office/drawing/2014/main" val="10007"/>
+                  </a:ext>
+                </a:extLst>
+              </a:tr>
+              <a:tr h="224796">
+                <a:tc vMerge="1">
+                  <a:txBody>
+                    <a:bodyPr/>
+                    <a:lstStyle/>
+                    <a:p>
+                      <a:pPr latinLnBrk="1"/>
+                      <a:endParaRPr lang="ko-KR" altLang="en-US"/>
+                    </a:p>
+                  </a:txBody>
+                  <a:tcPr/>
+                </a:tc>
+                <a:tc>
+                  <a:txBody>
+                    <a:bodyPr/>
+                    <a:lstStyle/>
+                    <a:p>
+                      <a:pPr marL="67945" indent="0">
+                        <a:lnSpc>
+                          <a:spcPts val="1415"/>
+                        </a:lnSpc>
+                        <a:spcBef>
+                          <a:spcPts val="470"/>
+                        </a:spcBef>
+                        <a:buNone/>
+                      </a:pPr>
+                      <a:r>
+                        <a:rPr lang="en-US" altLang="ko-KR" sz="1200" dirty="0">
+                          <a:latin typeface="맑은 고딕"/>
+                          <a:cs typeface="맑은 고딕"/>
+                        </a:rPr>
+                        <a:t>2.</a:t>
+                      </a:r>
+                      <a:r>
+                        <a:rPr lang="ko-KR" altLang="en-US" sz="1200" dirty="0">
+                          <a:latin typeface="맑은 고딕"/>
+                          <a:cs typeface="맑은 고딕"/>
+                        </a:rPr>
+                        <a:t> </a:t>
+                      </a:r>
+                      <a:r>
+                        <a:rPr lang="ko-KR" altLang="en-US" sz="1200" dirty="0" err="1">
+                          <a:latin typeface="맑은 고딕"/>
+                          <a:cs typeface="맑은 고딕"/>
+                        </a:rPr>
+                        <a:t>도어락</a:t>
+                      </a:r>
+                      <a:r>
+                        <a:rPr lang="ko-KR" altLang="en-US" sz="1200" dirty="0">
+                          <a:latin typeface="맑은 고딕"/>
+                          <a:cs typeface="맑은 고딕"/>
+                        </a:rPr>
+                        <a:t> 센서가 </a:t>
+                      </a:r>
+                      <a:r>
+                        <a:rPr lang="ko-KR" altLang="en-US" sz="1200" dirty="0" err="1">
+                          <a:latin typeface="맑은 고딕"/>
+                          <a:cs typeface="맑은 고딕"/>
+                        </a:rPr>
+                        <a:t>고장남</a:t>
+                      </a:r>
+                      <a:r>
+                        <a:rPr lang="ko-KR" altLang="en-US" sz="1200" dirty="0">
+                          <a:latin typeface="맑은 고딕"/>
+                          <a:cs typeface="맑은 고딕"/>
+                        </a:rPr>
+                        <a:t> </a:t>
+                      </a:r>
+                      <a:r>
+                        <a:rPr lang="en-US" altLang="ko-KR" sz="1200" dirty="0">
+                          <a:latin typeface="맑은 고딕"/>
+                          <a:cs typeface="맑은 고딕"/>
+                        </a:rPr>
+                        <a:t>(ON/OFF)</a:t>
+                      </a:r>
+                      <a:endParaRPr sz="1200" dirty="0">
+                        <a:latin typeface="맑은 고딕"/>
+                        <a:cs typeface="맑은 고딕"/>
+                      </a:endParaRPr>
+                    </a:p>
+                  </a:txBody>
+                  <a:tcPr marL="0" marR="0" marT="59690" marB="0">
+                    <a:lnL w="9525" cap="flat" cmpd="sng" algn="ctr">
+                      <a:solidFill>
+                        <a:srgbClr val="000000"/>
+                      </a:solidFill>
+                      <a:prstDash val="solid"/>
+                      <a:round/>
+                      <a:headEnd type="none" w="med" len="med"/>
+                      <a:tailEnd type="none" w="med" len="med"/>
+                    </a:lnL>
+                    <a:lnR w="9525" cap="flat" cmpd="sng" algn="ctr">
+                      <a:solidFill>
+                        <a:srgbClr val="000000"/>
+                      </a:solidFill>
+                      <a:prstDash val="solid"/>
+                      <a:round/>
+                      <a:headEnd type="none" w="med" len="med"/>
+                      <a:tailEnd type="none" w="med" len="med"/>
+                    </a:lnR>
+                    <a:lnT w="9525" cap="flat" cmpd="sng" algn="ctr">
+                      <a:solidFill>
+                        <a:srgbClr val="000000"/>
+                      </a:solidFill>
+                      <a:prstDash val="solid"/>
+                      <a:round/>
+                      <a:headEnd type="none" w="med" len="med"/>
+                      <a:tailEnd type="none" w="med" len="med"/>
+                    </a:lnT>
+                    <a:lnB w="9525" cap="flat" cmpd="sng" algn="ctr">
+                      <a:solidFill>
+                        <a:srgbClr val="000000"/>
+                      </a:solidFill>
+                      <a:prstDash val="solid"/>
+                      <a:round/>
+                      <a:headEnd type="none" w="med" len="med"/>
+                      <a:tailEnd type="none" w="med" len="med"/>
+                    </a:lnB>
+                  </a:tcPr>
+                </a:tc>
+                <a:tc>
+                  <a:txBody>
+                    <a:bodyPr/>
+                    <a:lstStyle/>
+                    <a:p>
+                      <a:pPr marL="67945" indent="0">
+                        <a:lnSpc>
+                          <a:spcPts val="1415"/>
+                        </a:lnSpc>
+                        <a:spcBef>
+                          <a:spcPts val="470"/>
+                        </a:spcBef>
+                        <a:buNone/>
+                      </a:pPr>
+                      <a:r>
+                        <a:rPr lang="en-US" altLang="ko-KR" sz="1200" dirty="0">
+                          <a:latin typeface="맑은 고딕"/>
+                          <a:cs typeface="맑은 고딕"/>
+                        </a:rPr>
+                        <a:t>2A.</a:t>
+                      </a:r>
+                      <a:r>
+                        <a:rPr lang="ko-KR" altLang="en-US" sz="1200" dirty="0">
+                          <a:latin typeface="맑은 고딕"/>
+                          <a:cs typeface="맑은 고딕"/>
+                        </a:rPr>
+                        <a:t> 알림 시스템 작동 오류</a:t>
+                      </a:r>
+                      <a:endParaRPr sz="1200" dirty="0">
+                        <a:latin typeface="맑은 고딕"/>
+                        <a:cs typeface="맑은 고딕"/>
+                      </a:endParaRPr>
+                    </a:p>
+                  </a:txBody>
+                  <a:tcPr marL="0" marR="0" marT="59690" marB="0">
+                    <a:lnL w="9525" cap="flat" cmpd="sng" algn="ctr">
+                      <a:solidFill>
+                        <a:srgbClr val="000000"/>
+                      </a:solidFill>
+                      <a:prstDash val="solid"/>
+                      <a:round/>
+                      <a:headEnd type="none" w="med" len="med"/>
+                      <a:tailEnd type="none" w="med" len="med"/>
+                    </a:lnL>
+                    <a:lnR w="9525" cap="flat" cmpd="sng" algn="ctr">
+                      <a:solidFill>
+                        <a:srgbClr val="000000"/>
+                      </a:solidFill>
+                      <a:prstDash val="solid"/>
+                      <a:round/>
+                      <a:headEnd type="none" w="med" len="med"/>
+                      <a:tailEnd type="none" w="med" len="med"/>
+                    </a:lnR>
+                    <a:lnT w="9525" cap="flat" cmpd="sng" algn="ctr">
+                      <a:solidFill>
+                        <a:srgbClr val="000000"/>
+                      </a:solidFill>
+                      <a:prstDash val="solid"/>
+                      <a:round/>
+                      <a:headEnd type="none" w="med" len="med"/>
+                      <a:tailEnd type="none" w="med" len="med"/>
+                    </a:lnT>
+                    <a:lnB w="9525" cap="flat" cmpd="sng" algn="ctr">
+                      <a:solidFill>
+                        <a:srgbClr val="000000"/>
+                      </a:solidFill>
+                      <a:prstDash val="solid"/>
+                      <a:round/>
+                      <a:headEnd type="none" w="med" len="med"/>
+                      <a:tailEnd type="none" w="med" len="med"/>
+                    </a:lnB>
+                  </a:tcPr>
+                </a:tc>
+                <a:extLst>
+                  <a:ext uri="{0D108BD9-81ED-4DB2-BD59-A6C34878D82A}">
+                    <a16:rowId xmlns:a16="http://schemas.microsoft.com/office/drawing/2014/main" val="3463846349"/>
+                  </a:ext>
+                </a:extLst>
+              </a:tr>
+              <a:tr h="224796">
+                <a:tc vMerge="1">
+                  <a:txBody>
+                    <a:bodyPr/>
+                    <a:lstStyle/>
+                    <a:p>
+                      <a:pPr latinLnBrk="1"/>
+                      <a:endParaRPr lang="ko-KR" altLang="en-US"/>
+                    </a:p>
+                  </a:txBody>
+                  <a:tcPr/>
+                </a:tc>
+                <a:tc>
+                  <a:txBody>
+                    <a:bodyPr/>
+                    <a:lstStyle/>
+                    <a:p>
+                      <a:pPr marL="67945" indent="0">
+                        <a:lnSpc>
+                          <a:spcPts val="1415"/>
+                        </a:lnSpc>
+                        <a:spcBef>
+                          <a:spcPts val="470"/>
+                        </a:spcBef>
+                        <a:buNone/>
                       </a:pPr>
                       <a:endParaRPr sz="1200" dirty="0">
                         <a:latin typeface="맑은 고딕"/>
@@ -25587,11 +26340,14 @@
                       <a:headEnd type="none" w="med" len="med"/>
                       <a:tailEnd type="none" w="med" len="med"/>
                     </a:lnL>
-                    <a:lnR w="9525">
+                    <a:lnR w="9525" cap="flat" cmpd="sng" algn="ctr">
                       <a:solidFill>
                         <a:srgbClr val="000000"/>
                       </a:solidFill>
                       <a:prstDash val="solid"/>
+                      <a:round/>
+                      <a:headEnd type="none" w="med" len="med"/>
+                      <a:tailEnd type="none" w="med" len="med"/>
                     </a:lnR>
                     <a:lnT w="9525" cap="flat" cmpd="sng" algn="ctr">
                       <a:solidFill>
@@ -25615,11 +26371,11 @@
                 </a:tc>
                 <a:extLst>
                   <a:ext uri="{0D108BD9-81ED-4DB2-BD59-A6C34878D82A}">
-                    <a16:rowId xmlns:a16="http://schemas.microsoft.com/office/drawing/2014/main" val="10007"/>
+                    <a16:rowId xmlns:a16="http://schemas.microsoft.com/office/drawing/2014/main" val="3856322938"/>
                   </a:ext>
                 </a:extLst>
               </a:tr>
-              <a:tr h="233329">
+              <a:tr h="224796">
                 <a:tc vMerge="1">
                   <a:txBody>
                     <a:bodyPr/>
@@ -25751,283 +26507,11 @@
                 </a:tc>
                 <a:extLst>
                   <a:ext uri="{0D108BD9-81ED-4DB2-BD59-A6C34878D82A}">
-                    <a16:rowId xmlns:a16="http://schemas.microsoft.com/office/drawing/2014/main" val="3463846349"/>
-                  </a:ext>
-                </a:extLst>
-              </a:tr>
-              <a:tr h="233329">
-                <a:tc vMerge="1">
-                  <a:txBody>
-                    <a:bodyPr/>
-                    <a:lstStyle/>
-                    <a:p>
-                      <a:pPr latinLnBrk="1"/>
-                      <a:endParaRPr lang="ko-KR" altLang="en-US"/>
-                    </a:p>
-                  </a:txBody>
-                  <a:tcPr/>
-                </a:tc>
-                <a:tc>
-                  <a:txBody>
-                    <a:bodyPr/>
-                    <a:lstStyle/>
-                    <a:p>
-                      <a:pPr marL="296545" indent="-228600">
-                        <a:lnSpc>
-                          <a:spcPts val="1415"/>
-                        </a:lnSpc>
-                        <a:spcBef>
-                          <a:spcPts val="470"/>
-                        </a:spcBef>
-                        <a:buAutoNum type="arabicPeriod"/>
-                      </a:pPr>
-                      <a:endParaRPr sz="1200" dirty="0">
-                        <a:latin typeface="맑은 고딕"/>
-                        <a:cs typeface="맑은 고딕"/>
-                      </a:endParaRPr>
-                    </a:p>
-                  </a:txBody>
-                  <a:tcPr marL="0" marR="0" marT="59690" marB="0">
-                    <a:lnL w="9525" cap="flat" cmpd="sng" algn="ctr">
-                      <a:solidFill>
-                        <a:srgbClr val="000000"/>
-                      </a:solidFill>
-                      <a:prstDash val="solid"/>
-                      <a:round/>
-                      <a:headEnd type="none" w="med" len="med"/>
-                      <a:tailEnd type="none" w="med" len="med"/>
-                    </a:lnL>
-                    <a:lnR w="9525" cap="flat" cmpd="sng" algn="ctr">
-                      <a:solidFill>
-                        <a:srgbClr val="000000"/>
-                      </a:solidFill>
-                      <a:prstDash val="solid"/>
-                      <a:round/>
-                      <a:headEnd type="none" w="med" len="med"/>
-                      <a:tailEnd type="none" w="med" len="med"/>
-                    </a:lnR>
-                    <a:lnT w="9525" cap="flat" cmpd="sng" algn="ctr">
-                      <a:solidFill>
-                        <a:srgbClr val="000000"/>
-                      </a:solidFill>
-                      <a:prstDash val="solid"/>
-                      <a:round/>
-                      <a:headEnd type="none" w="med" len="med"/>
-                      <a:tailEnd type="none" w="med" len="med"/>
-                    </a:lnT>
-                    <a:lnB w="9525" cap="flat" cmpd="sng" algn="ctr">
-                      <a:solidFill>
-                        <a:srgbClr val="000000"/>
-                      </a:solidFill>
-                      <a:prstDash val="solid"/>
-                      <a:round/>
-                      <a:headEnd type="none" w="med" len="med"/>
-                      <a:tailEnd type="none" w="med" len="med"/>
-                    </a:lnB>
-                  </a:tcPr>
-                </a:tc>
-                <a:tc>
-                  <a:txBody>
-                    <a:bodyPr/>
-                    <a:lstStyle/>
-                    <a:p>
-                      <a:pPr marL="67945" indent="0">
-                        <a:lnSpc>
-                          <a:spcPts val="1415"/>
-                        </a:lnSpc>
-                        <a:spcBef>
-                          <a:spcPts val="470"/>
-                        </a:spcBef>
-                        <a:buNone/>
-                      </a:pPr>
-                      <a:endParaRPr sz="1200" dirty="0">
-                        <a:latin typeface="맑은 고딕"/>
-                        <a:cs typeface="맑은 고딕"/>
-                      </a:endParaRPr>
-                    </a:p>
-                  </a:txBody>
-                  <a:tcPr marL="0" marR="0" marT="59690" marB="0">
-                    <a:lnL w="9525" cap="flat" cmpd="sng" algn="ctr">
-                      <a:solidFill>
-                        <a:srgbClr val="000000"/>
-                      </a:solidFill>
-                      <a:prstDash val="solid"/>
-                      <a:round/>
-                      <a:headEnd type="none" w="med" len="med"/>
-                      <a:tailEnd type="none" w="med" len="med"/>
-                    </a:lnL>
-                    <a:lnR w="9525" cap="flat" cmpd="sng" algn="ctr">
-                      <a:solidFill>
-                        <a:srgbClr val="000000"/>
-                      </a:solidFill>
-                      <a:prstDash val="solid"/>
-                      <a:round/>
-                      <a:headEnd type="none" w="med" len="med"/>
-                      <a:tailEnd type="none" w="med" len="med"/>
-                    </a:lnR>
-                    <a:lnT w="9525" cap="flat" cmpd="sng" algn="ctr">
-                      <a:solidFill>
-                        <a:srgbClr val="000000"/>
-                      </a:solidFill>
-                      <a:prstDash val="solid"/>
-                      <a:round/>
-                      <a:headEnd type="none" w="med" len="med"/>
-                      <a:tailEnd type="none" w="med" len="med"/>
-                    </a:lnT>
-                    <a:lnB w="9525" cap="flat" cmpd="sng" algn="ctr">
-                      <a:solidFill>
-                        <a:srgbClr val="000000"/>
-                      </a:solidFill>
-                      <a:prstDash val="solid"/>
-                      <a:round/>
-                      <a:headEnd type="none" w="med" len="med"/>
-                      <a:tailEnd type="none" w="med" len="med"/>
-                    </a:lnB>
-                  </a:tcPr>
-                </a:tc>
-                <a:extLst>
-                  <a:ext uri="{0D108BD9-81ED-4DB2-BD59-A6C34878D82A}">
-                    <a16:rowId xmlns:a16="http://schemas.microsoft.com/office/drawing/2014/main" val="3856322938"/>
-                  </a:ext>
-                </a:extLst>
-              </a:tr>
-              <a:tr h="233329">
-                <a:tc vMerge="1">
-                  <a:txBody>
-                    <a:bodyPr/>
-                    <a:lstStyle/>
-                    <a:p>
-                      <a:pPr latinLnBrk="1"/>
-                      <a:endParaRPr lang="ko-KR" altLang="en-US"/>
-                    </a:p>
-                  </a:txBody>
-                  <a:tcPr/>
-                </a:tc>
-                <a:tc>
-                  <a:txBody>
-                    <a:bodyPr/>
-                    <a:lstStyle/>
-                    <a:p>
-                      <a:pPr marL="296545" indent="-228600">
-                        <a:lnSpc>
-                          <a:spcPts val="1415"/>
-                        </a:lnSpc>
-                        <a:spcBef>
-                          <a:spcPts val="470"/>
-                        </a:spcBef>
-                        <a:buAutoNum type="arabicPeriod"/>
-                      </a:pPr>
-                      <a:endParaRPr sz="1200" dirty="0">
-                        <a:latin typeface="맑은 고딕"/>
-                        <a:cs typeface="맑은 고딕"/>
-                      </a:endParaRPr>
-                    </a:p>
-                  </a:txBody>
-                  <a:tcPr marL="0" marR="0" marT="59690" marB="0">
-                    <a:lnL w="9525" cap="flat" cmpd="sng" algn="ctr">
-                      <a:solidFill>
-                        <a:srgbClr val="000000"/>
-                      </a:solidFill>
-                      <a:prstDash val="solid"/>
-                      <a:round/>
-                      <a:headEnd type="none" w="med" len="med"/>
-                      <a:tailEnd type="none" w="med" len="med"/>
-                    </a:lnL>
-                    <a:lnR w="9525" cap="flat" cmpd="sng" algn="ctr">
-                      <a:solidFill>
-                        <a:srgbClr val="000000"/>
-                      </a:solidFill>
-                      <a:prstDash val="solid"/>
-                      <a:round/>
-                      <a:headEnd type="none" w="med" len="med"/>
-                      <a:tailEnd type="none" w="med" len="med"/>
-                    </a:lnR>
-                    <a:lnT w="9525" cap="flat" cmpd="sng" algn="ctr">
-                      <a:solidFill>
-                        <a:srgbClr val="000000"/>
-                      </a:solidFill>
-                      <a:prstDash val="solid"/>
-                      <a:round/>
-                      <a:headEnd type="none" w="med" len="med"/>
-                      <a:tailEnd type="none" w="med" len="med"/>
-                    </a:lnT>
-                    <a:lnB w="9525" cap="flat" cmpd="sng" algn="ctr">
-                      <a:solidFill>
-                        <a:srgbClr val="000000"/>
-                      </a:solidFill>
-                      <a:prstDash val="solid"/>
-                      <a:round/>
-                      <a:headEnd type="none" w="med" len="med"/>
-                      <a:tailEnd type="none" w="med" len="med"/>
-                    </a:lnB>
-                  </a:tcPr>
-                </a:tc>
-                <a:tc>
-                  <a:txBody>
-                    <a:bodyPr/>
-                    <a:lstStyle/>
-                    <a:p>
-                      <a:pPr marL="67945" indent="0">
-                        <a:lnSpc>
-                          <a:spcPts val="1415"/>
-                        </a:lnSpc>
-                        <a:spcBef>
-                          <a:spcPts val="470"/>
-                        </a:spcBef>
-                        <a:buNone/>
-                      </a:pPr>
-                      <a:endParaRPr sz="1200" dirty="0">
-                        <a:latin typeface="맑은 고딕"/>
-                        <a:cs typeface="맑은 고딕"/>
-                      </a:endParaRPr>
-                    </a:p>
-                  </a:txBody>
-                  <a:tcPr marL="0" marR="0" marT="59690" marB="0">
-                    <a:lnL w="9525" cap="flat" cmpd="sng" algn="ctr">
-                      <a:solidFill>
-                        <a:srgbClr val="000000"/>
-                      </a:solidFill>
-                      <a:prstDash val="solid"/>
-                      <a:round/>
-                      <a:headEnd type="none" w="med" len="med"/>
-                      <a:tailEnd type="none" w="med" len="med"/>
-                    </a:lnL>
-                    <a:lnR w="9525" cap="flat" cmpd="sng" algn="ctr">
-                      <a:solidFill>
-                        <a:srgbClr val="000000"/>
-                      </a:solidFill>
-                      <a:prstDash val="solid"/>
-                      <a:round/>
-                      <a:headEnd type="none" w="med" len="med"/>
-                      <a:tailEnd type="none" w="med" len="med"/>
-                    </a:lnR>
-                    <a:lnT w="9525" cap="flat" cmpd="sng" algn="ctr">
-                      <a:solidFill>
-                        <a:srgbClr val="000000"/>
-                      </a:solidFill>
-                      <a:prstDash val="solid"/>
-                      <a:round/>
-                      <a:headEnd type="none" w="med" len="med"/>
-                      <a:tailEnd type="none" w="med" len="med"/>
-                    </a:lnT>
-                    <a:lnB w="9525" cap="flat" cmpd="sng" algn="ctr">
-                      <a:solidFill>
-                        <a:srgbClr val="000000"/>
-                      </a:solidFill>
-                      <a:prstDash val="solid"/>
-                      <a:round/>
-                      <a:headEnd type="none" w="med" len="med"/>
-                      <a:tailEnd type="none" w="med" len="med"/>
-                    </a:lnB>
-                  </a:tcPr>
-                </a:tc>
-                <a:extLst>
-                  <a:ext uri="{0D108BD9-81ED-4DB2-BD59-A6C34878D82A}">
                     <a16:rowId xmlns:a16="http://schemas.microsoft.com/office/drawing/2014/main" val="8957544"/>
                   </a:ext>
                 </a:extLst>
               </a:tr>
-              <a:tr h="233329">
+              <a:tr h="224796">
                 <a:tc vMerge="1">
                   <a:txBody>
                     <a:bodyPr/>

--- a/01_요구사항 실습/SW 요구사항 분석 및 설계_실습_5조.pptx
+++ b/01_요구사항 실습/SW 요구사항 분석 및 설계_실습_5조.pptx
@@ -22766,14 +22766,14 @@
           <p:nvPr>
             <p:extLst>
               <p:ext uri="{D42A27DB-BD31-4B8C-83A1-F6EECF244321}">
-                <p14:modId xmlns:p14="http://schemas.microsoft.com/office/powerpoint/2010/main" val="2683235419"/>
+                <p14:modId xmlns:p14="http://schemas.microsoft.com/office/powerpoint/2010/main" val="1592988966"/>
               </p:ext>
             </p:extLst>
           </p:nvPr>
         </p:nvGraphicFramePr>
         <p:xfrm>
-          <a:off x="742950" y="1017345"/>
-          <a:ext cx="10472737" cy="5194738"/>
+          <a:off x="742950" y="959289"/>
+          <a:ext cx="10472737" cy="5430958"/>
         </p:xfrm>
         <a:graphic>
           <a:graphicData uri="http://schemas.openxmlformats.org/drawingml/2006/table">
@@ -25799,7 +25799,7 @@
                 </a:extLst>
               </a:tr>
               <a:tr h="224796">
-                <a:tc rowSpan="5">
+                <a:tc rowSpan="3">
                   <a:txBody>
                     <a:bodyPr/>
                     <a:lstStyle/>
@@ -25983,14 +25983,58 @@
                           <a:latin typeface="맑은 고딕"/>
                           <a:cs typeface="맑은 고딕"/>
                         </a:rPr>
-                        <a:t>1A. </a:t>
+                        <a:t>1A.</a:t>
                       </a:r>
                       <a:r>
                         <a:rPr lang="ko-KR" altLang="en-US" sz="1200" dirty="0">
                           <a:latin typeface="맑은 고딕"/>
                           <a:cs typeface="맑은 고딕"/>
                         </a:rPr>
-                        <a:t>옆에 차량이 지나가도 알림 시스템이 작동 안함</a:t>
+                        <a:t> </a:t>
+                      </a:r>
+                      <a:r>
+                        <a:rPr lang="ko-KR" altLang="en-US" sz="1200" dirty="0"/>
+                        <a:t>데이터 필터링 알고리즘 적용 </a:t>
+                      </a:r>
+                      <a:r>
+                        <a:rPr lang="en-US" altLang="ko-KR" sz="1200" dirty="0"/>
+                        <a:t>-&gt;</a:t>
+                      </a:r>
+                      <a:r>
+                        <a:rPr lang="ko-KR" altLang="en-US" sz="1200" dirty="0"/>
+                        <a:t> 중요한 객체</a:t>
+                      </a:r>
+                      <a:r>
+                        <a:rPr lang="en-US" altLang="ko-KR" sz="1200" dirty="0"/>
+                        <a:t>(</a:t>
+                      </a:r>
+                      <a:r>
+                        <a:rPr lang="ko-KR" altLang="en-US" sz="1200" dirty="0"/>
+                        <a:t>예</a:t>
+                      </a:r>
+                      <a:r>
+                        <a:rPr lang="en-US" altLang="ko-KR" sz="1200" dirty="0"/>
+                        <a:t>: </a:t>
+                      </a:r>
+                      <a:r>
+                        <a:rPr lang="ko-KR" altLang="en-US" sz="1200" dirty="0"/>
+                        <a:t>차량</a:t>
+                      </a:r>
+                      <a:r>
+                        <a:rPr lang="en-US" altLang="ko-KR" sz="1200" dirty="0"/>
+                        <a:t>, </a:t>
+                      </a:r>
+                      <a:r>
+                        <a:rPr lang="ko-KR" altLang="en-US" sz="1200" dirty="0"/>
+                        <a:t>보행자</a:t>
+                      </a:r>
+                      <a:r>
+                        <a:rPr lang="en-US" altLang="ko-KR" sz="1200" dirty="0"/>
+                        <a:t>)</a:t>
+                      </a:r>
+                      <a:r>
+                        <a:rPr lang="ko-KR" altLang="en-US" sz="1200" dirty="0"/>
+                        <a:t>만 감지하도록 레이더 신호 처리 알고리즘을 개선</a:t>
                       </a:r>
                       <a:endParaRPr sz="1200" dirty="0">
                         <a:latin typeface="맑은 고딕"/>
@@ -26040,7 +26084,7 @@
                   </a:ext>
                 </a:extLst>
               </a:tr>
-              <a:tr h="224796">
+              <a:tr h="377196">
                 <a:tc vMerge="1">
                   <a:txBody>
                     <a:bodyPr/>
@@ -26182,11 +26226,36 @@
                         <a:t>2A.</a:t>
                       </a:r>
                       <a:r>
-                        <a:rPr lang="ko-KR" altLang="en-US" sz="1200" dirty="0">
-                          <a:latin typeface="맑은 고딕"/>
-                          <a:cs typeface="맑은 고딕"/>
-                        </a:rPr>
-                        <a:t> 알림 시스템 작동 오류</a:t>
+                        <a:rPr lang="ko-KR" altLang="en-US" sz="1200" dirty="0"/>
+                        <a:t> 정기적인 센서 점검 및 유지보수 계획 수립</a:t>
+                      </a:r>
+                      <a:r>
+                        <a:rPr lang="en-US" altLang="ko-KR" sz="1200" dirty="0"/>
+                        <a:t>.</a:t>
+                      </a:r>
+                      <a:r>
+                        <a:rPr lang="ko-KR" altLang="en-US" sz="1200" dirty="0"/>
+                        <a:t> </a:t>
+                      </a:r>
+                      <a:r>
+                        <a:rPr lang="en-US" altLang="ko-KR" sz="1200" dirty="0"/>
+                        <a:t>(</a:t>
+                      </a:r>
+                      <a:r>
+                        <a:rPr lang="ko-KR" altLang="en-US" sz="1200" dirty="0"/>
+                        <a:t>센서 자체의 물리적 손상 여부 확인 </a:t>
+                      </a:r>
+                      <a:r>
+                        <a:rPr lang="en-US" altLang="ko-KR" sz="1200" dirty="0"/>
+                        <a:t>or </a:t>
+                      </a:r>
+                      <a:r>
+                        <a:rPr lang="ko-KR" altLang="en-US" sz="1200" dirty="0"/>
+                        <a:t>센서 데이터 수신 로그 분석</a:t>
+                      </a:r>
+                      <a:r>
+                        <a:rPr lang="en-US" altLang="ko-KR" sz="1200" dirty="0"/>
+                        <a:t>.)</a:t>
                       </a:r>
                       <a:endParaRPr sz="1200" dirty="0">
                         <a:latin typeface="맑은 고딕"/>
@@ -26249,47 +26318,7 @@
                       <a:endParaRPr lang="ko-KR" altLang="en-US"/>
                     </a:p>
                   </a:txBody>
-                  <a:tcPr/>
-                </a:tc>
-                <a:tc>
-                  <a:txBody>
-                    <a:bodyPr/>
-                    <a:lstStyle/>
-                    <a:p>
-                      <a:pPr marL="67945" indent="0">
-                        <a:lnSpc>
-                          <a:spcPts val="1415"/>
-                        </a:lnSpc>
-                        <a:spcBef>
-                          <a:spcPts val="470"/>
-                        </a:spcBef>
-                        <a:buNone/>
-                      </a:pPr>
-                      <a:endParaRPr sz="1200" dirty="0">
-                        <a:latin typeface="맑은 고딕"/>
-                        <a:cs typeface="맑은 고딕"/>
-                      </a:endParaRPr>
-                    </a:p>
-                  </a:txBody>
-                  <a:tcPr marL="0" marR="0" marT="59690" marB="0">
-                    <a:lnL w="9525" cap="flat" cmpd="sng" algn="ctr">
-                      <a:solidFill>
-                        <a:srgbClr val="000000"/>
-                      </a:solidFill>
-                      <a:prstDash val="solid"/>
-                      <a:round/>
-                      <a:headEnd type="none" w="med" len="med"/>
-                      <a:tailEnd type="none" w="med" len="med"/>
-                    </a:lnL>
-                    <a:lnR w="9525" cap="flat" cmpd="sng" algn="ctr">
-                      <a:solidFill>
-                        <a:srgbClr val="000000"/>
-                      </a:solidFill>
-                      <a:prstDash val="solid"/>
-                      <a:round/>
-                      <a:headEnd type="none" w="med" len="med"/>
-                      <a:tailEnd type="none" w="med" len="med"/>
-                    </a:lnR>
+                  <a:tcPr>
                     <a:lnT w="9525" cap="flat" cmpd="sng" algn="ctr">
                       <a:solidFill>
                         <a:srgbClr val="000000"/>
@@ -26299,93 +26328,7 @@
                       <a:headEnd type="none" w="med" len="med"/>
                       <a:tailEnd type="none" w="med" len="med"/>
                     </a:lnT>
-                    <a:lnB w="9525" cap="flat" cmpd="sng" algn="ctr">
-                      <a:solidFill>
-                        <a:srgbClr val="000000"/>
-                      </a:solidFill>
-                      <a:prstDash val="solid"/>
-                      <a:round/>
-                      <a:headEnd type="none" w="med" len="med"/>
-                      <a:tailEnd type="none" w="med" len="med"/>
-                    </a:lnB>
                   </a:tcPr>
-                </a:tc>
-                <a:tc>
-                  <a:txBody>
-                    <a:bodyPr/>
-                    <a:lstStyle/>
-                    <a:p>
-                      <a:pPr marL="67945" indent="0">
-                        <a:lnSpc>
-                          <a:spcPts val="1415"/>
-                        </a:lnSpc>
-                        <a:spcBef>
-                          <a:spcPts val="470"/>
-                        </a:spcBef>
-                        <a:buNone/>
-                      </a:pPr>
-                      <a:endParaRPr sz="1200" dirty="0">
-                        <a:latin typeface="맑은 고딕"/>
-                        <a:cs typeface="맑은 고딕"/>
-                      </a:endParaRPr>
-                    </a:p>
-                  </a:txBody>
-                  <a:tcPr marL="0" marR="0" marT="59690" marB="0">
-                    <a:lnL w="9525" cap="flat" cmpd="sng" algn="ctr">
-                      <a:solidFill>
-                        <a:srgbClr val="000000"/>
-                      </a:solidFill>
-                      <a:prstDash val="solid"/>
-                      <a:round/>
-                      <a:headEnd type="none" w="med" len="med"/>
-                      <a:tailEnd type="none" w="med" len="med"/>
-                    </a:lnL>
-                    <a:lnR w="9525" cap="flat" cmpd="sng" algn="ctr">
-                      <a:solidFill>
-                        <a:srgbClr val="000000"/>
-                      </a:solidFill>
-                      <a:prstDash val="solid"/>
-                      <a:round/>
-                      <a:headEnd type="none" w="med" len="med"/>
-                      <a:tailEnd type="none" w="med" len="med"/>
-                    </a:lnR>
-                    <a:lnT w="9525" cap="flat" cmpd="sng" algn="ctr">
-                      <a:solidFill>
-                        <a:srgbClr val="000000"/>
-                      </a:solidFill>
-                      <a:prstDash val="solid"/>
-                      <a:round/>
-                      <a:headEnd type="none" w="med" len="med"/>
-                      <a:tailEnd type="none" w="med" len="med"/>
-                    </a:lnT>
-                    <a:lnB w="9525" cap="flat" cmpd="sng" algn="ctr">
-                      <a:solidFill>
-                        <a:srgbClr val="000000"/>
-                      </a:solidFill>
-                      <a:prstDash val="solid"/>
-                      <a:round/>
-                      <a:headEnd type="none" w="med" len="med"/>
-                      <a:tailEnd type="none" w="med" len="med"/>
-                    </a:lnB>
-                  </a:tcPr>
-                </a:tc>
-                <a:extLst>
-                  <a:ext uri="{0D108BD9-81ED-4DB2-BD59-A6C34878D82A}">
-                    <a16:rowId xmlns:a16="http://schemas.microsoft.com/office/drawing/2014/main" val="3856322938"/>
-                  </a:ext>
-                </a:extLst>
-              </a:tr>
-              <a:tr h="224796">
-                <a:tc vMerge="1">
-                  <a:txBody>
-                    <a:bodyPr/>
-                    <a:lstStyle/>
-                    <a:p>
-                      <a:pPr latinLnBrk="1"/>
-                      <a:endParaRPr lang="ko-KR" altLang="en-US"/>
-                    </a:p>
-                  </a:txBody>
-                  <a:tcPr/>
                 </a:tc>
                 <a:tc>
                   <a:txBody>
@@ -26408,151 +26351,6 @@
                     </a:p>
                   </a:txBody>
                   <a:tcPr marL="0" marR="0" marT="59690" marB="0">
-                    <a:lnL w="9525" cap="flat" cmpd="sng" algn="ctr">
-                      <a:solidFill>
-                        <a:srgbClr val="000000"/>
-                      </a:solidFill>
-                      <a:prstDash val="solid"/>
-                      <a:round/>
-                      <a:headEnd type="none" w="med" len="med"/>
-                      <a:tailEnd type="none" w="med" len="med"/>
-                    </a:lnL>
-                    <a:lnR w="9525" cap="flat" cmpd="sng" algn="ctr">
-                      <a:solidFill>
-                        <a:srgbClr val="000000"/>
-                      </a:solidFill>
-                      <a:prstDash val="solid"/>
-                      <a:round/>
-                      <a:headEnd type="none" w="med" len="med"/>
-                      <a:tailEnd type="none" w="med" len="med"/>
-                    </a:lnR>
-                    <a:lnT w="9525" cap="flat" cmpd="sng" algn="ctr">
-                      <a:solidFill>
-                        <a:srgbClr val="000000"/>
-                      </a:solidFill>
-                      <a:prstDash val="solid"/>
-                      <a:round/>
-                      <a:headEnd type="none" w="med" len="med"/>
-                      <a:tailEnd type="none" w="med" len="med"/>
-                    </a:lnT>
-                    <a:lnB w="9525" cap="flat" cmpd="sng" algn="ctr">
-                      <a:solidFill>
-                        <a:srgbClr val="000000"/>
-                      </a:solidFill>
-                      <a:prstDash val="solid"/>
-                      <a:round/>
-                      <a:headEnd type="none" w="med" len="med"/>
-                      <a:tailEnd type="none" w="med" len="med"/>
-                    </a:lnB>
-                  </a:tcPr>
-                </a:tc>
-                <a:tc>
-                  <a:txBody>
-                    <a:bodyPr/>
-                    <a:lstStyle/>
-                    <a:p>
-                      <a:pPr marL="67945" indent="0">
-                        <a:lnSpc>
-                          <a:spcPts val="1415"/>
-                        </a:lnSpc>
-                        <a:spcBef>
-                          <a:spcPts val="470"/>
-                        </a:spcBef>
-                        <a:buNone/>
-                      </a:pPr>
-                      <a:endParaRPr sz="1200" dirty="0">
-                        <a:latin typeface="맑은 고딕"/>
-                        <a:cs typeface="맑은 고딕"/>
-                      </a:endParaRPr>
-                    </a:p>
-                  </a:txBody>
-                  <a:tcPr marL="0" marR="0" marT="59690" marB="0">
-                    <a:lnL w="9525" cap="flat" cmpd="sng" algn="ctr">
-                      <a:solidFill>
-                        <a:srgbClr val="000000"/>
-                      </a:solidFill>
-                      <a:prstDash val="solid"/>
-                      <a:round/>
-                      <a:headEnd type="none" w="med" len="med"/>
-                      <a:tailEnd type="none" w="med" len="med"/>
-                    </a:lnL>
-                    <a:lnR w="9525" cap="flat" cmpd="sng" algn="ctr">
-                      <a:solidFill>
-                        <a:srgbClr val="000000"/>
-                      </a:solidFill>
-                      <a:prstDash val="solid"/>
-                      <a:round/>
-                      <a:headEnd type="none" w="med" len="med"/>
-                      <a:tailEnd type="none" w="med" len="med"/>
-                    </a:lnR>
-                    <a:lnT w="9525" cap="flat" cmpd="sng" algn="ctr">
-                      <a:solidFill>
-                        <a:srgbClr val="000000"/>
-                      </a:solidFill>
-                      <a:prstDash val="solid"/>
-                      <a:round/>
-                      <a:headEnd type="none" w="med" len="med"/>
-                      <a:tailEnd type="none" w="med" len="med"/>
-                    </a:lnT>
-                    <a:lnB w="9525" cap="flat" cmpd="sng" algn="ctr">
-                      <a:solidFill>
-                        <a:srgbClr val="000000"/>
-                      </a:solidFill>
-                      <a:prstDash val="solid"/>
-                      <a:round/>
-                      <a:headEnd type="none" w="med" len="med"/>
-                      <a:tailEnd type="none" w="med" len="med"/>
-                    </a:lnB>
-                  </a:tcPr>
-                </a:tc>
-                <a:extLst>
-                  <a:ext uri="{0D108BD9-81ED-4DB2-BD59-A6C34878D82A}">
-                    <a16:rowId xmlns:a16="http://schemas.microsoft.com/office/drawing/2014/main" val="8957544"/>
-                  </a:ext>
-                </a:extLst>
-              </a:tr>
-              <a:tr h="224796">
-                <a:tc vMerge="1">
-                  <a:txBody>
-                    <a:bodyPr/>
-                    <a:lstStyle/>
-                    <a:p>
-                      <a:pPr latinLnBrk="1"/>
-                      <a:endParaRPr lang="ko-KR" altLang="en-US"/>
-                    </a:p>
-                  </a:txBody>
-                  <a:tcPr/>
-                </a:tc>
-                <a:tc>
-                  <a:txBody>
-                    <a:bodyPr/>
-                    <a:lstStyle/>
-                    <a:p>
-                      <a:pPr marL="296545" indent="-228600">
-                        <a:lnSpc>
-                          <a:spcPts val="1415"/>
-                        </a:lnSpc>
-                        <a:spcBef>
-                          <a:spcPts val="470"/>
-                        </a:spcBef>
-                        <a:buAutoNum type="arabicPeriod"/>
-                      </a:pPr>
-                      <a:endParaRPr sz="1200" dirty="0">
-                        <a:latin typeface="맑은 고딕"/>
-                        <a:cs typeface="맑은 고딕"/>
-                      </a:endParaRPr>
-                    </a:p>
-                  </a:txBody>
-                  <a:tcPr marL="0" marR="0" marT="59690" marB="0">
-                    <a:lnL w="9525" cap="flat" cmpd="sng" algn="ctr">
-                      <a:solidFill>
-                        <a:srgbClr val="000000"/>
-                      </a:solidFill>
-                      <a:prstDash val="solid"/>
-                      <a:round/>
-                      <a:headEnd type="none" w="med" len="med"/>
-                      <a:tailEnd type="none" w="med" len="med"/>
-                    </a:lnL>
                     <a:lnR w="9525" cap="flat" cmpd="sng" algn="ctr">
                       <a:solidFill>
                         <a:srgbClr val="000000"/>
